--- a/Music-Recommendation-System.pptx
+++ b/Music-Recommendation-System.pptx
@@ -5,39 +5,39 @@
     <p:sldMasterId id="2147483648" r:id="rId1"/>
   </p:sldMasterIdLst>
   <p:sldIdLst>
-    <p:sldId id="256" r:id="rId2"/>
-    <p:sldId id="257" r:id="rId3"/>
-    <p:sldId id="258" r:id="rId4"/>
-    <p:sldId id="259" r:id="rId5"/>
-    <p:sldId id="260" r:id="rId6"/>
-    <p:sldId id="261" r:id="rId7"/>
-    <p:sldId id="262" r:id="rId8"/>
-    <p:sldId id="263" r:id="rId9"/>
-    <p:sldId id="264" r:id="rId10"/>
-    <p:sldId id="265" r:id="rId11"/>
-    <p:sldId id="266" r:id="rId12"/>
+    <p:sldId id="256" r:id="rId3"/>
+    <p:sldId id="257" r:id="rId4"/>
+    <p:sldId id="258" r:id="rId5"/>
+    <p:sldId id="259" r:id="rId6"/>
+    <p:sldId id="260" r:id="rId7"/>
+    <p:sldId id="261" r:id="rId8"/>
+    <p:sldId id="262" r:id="rId9"/>
+    <p:sldId id="263" r:id="rId10"/>
+    <p:sldId id="264" r:id="rId11"/>
+    <p:sldId id="265" r:id="rId12"/>
+    <p:sldId id="266" r:id="rId13"/>
   </p:sldIdLst>
   <p:sldSz cx="18288000" cy="10287000"/>
   <p:notesSz cx="6858000" cy="9144000"/>
   <p:embeddedFontLst>
     <p:embeddedFont>
-      <p:font typeface="Calibri" panose="020F0502020204030204" pitchFamily="34" charset="0"/>
-      <p:regular r:id="rId13"/>
-      <p:bold r:id="rId14"/>
-      <p:italic r:id="rId15"/>
-      <p:boldItalic r:id="rId16"/>
-    </p:embeddedFont>
-    <p:embeddedFont>
-      <p:font typeface="Montserrat" panose="00000500000000000000" pitchFamily="2" charset="0"/>
+      <p:font typeface="Montserrat" panose="00000500000000000000"/>
       <p:regular r:id="rId17"/>
     </p:embeddedFont>
     <p:embeddedFont>
-      <p:font typeface="Montserrat Bold" panose="00000800000000000000" charset="0"/>
+      <p:font typeface="Montserrat Bold" panose="00000600000000000000"/>
       <p:regular r:id="rId18"/>
     </p:embeddedFont>
     <p:embeddedFont>
-      <p:font typeface="Sigmar One" panose="020B0604020202020204" charset="0"/>
+      <p:font typeface="Sigmar One" panose="00000500000000000000"/>
       <p:regular r:id="rId19"/>
+    </p:embeddedFont>
+    <p:embeddedFont>
+      <p:font typeface="Calibri" panose="020F0502020204030204" charset="0"/>
+      <p:regular r:id="rId20"/>
+      <p:bold r:id="rId21"/>
+      <p:italic r:id="rId22"/>
+      <p:boldItalic r:id="rId23"/>
     </p:embeddedFont>
   </p:embeddedFontLst>
   <p:defaultTextStyle>
@@ -138,12 +138,12 @@
   <p:extLst>
     <p:ext uri="{EFAFB233-063F-42B5-8137-9DF3F51BA10A}">
       <p15:sldGuideLst xmlns:p15="http://schemas.microsoft.com/office/powerpoint/2012/main">
-        <p15:guide id="1" orient="horz" pos="2160">
+        <p15:guide id="1" orient="horz" pos="2160" userDrawn="1">
           <p15:clr>
             <a:srgbClr val="A4A3A4"/>
           </p15:clr>
         </p15:guide>
-        <p15:guide id="2" pos="2880">
+        <p15:guide id="2" pos="2880" userDrawn="1">
           <p15:clr>
             <a:srgbClr val="A4A3A4"/>
           </p15:clr>
@@ -195,6 +195,7 @@
               <a:rPr lang="en-US"/>
               <a:t>Click to edit Master title style</a:t>
             </a:r>
+            <a:endParaRPr lang="en-US"/>
           </a:p>
         </p:txBody>
       </p:sp>
@@ -313,6 +314,7 @@
               <a:rPr lang="en-US"/>
               <a:t>Click to edit Master subtitle style</a:t>
             </a:r>
+            <a:endParaRPr lang="en-US"/>
           </a:p>
         </p:txBody>
       </p:sp>
@@ -333,8 +335,6 @@
           <a:p>
             <a:fld id="{1D8BD707-D9CF-40AE-B4C6-C98DA3205C09}" type="datetimeFigureOut">
               <a:rPr lang="en-US" smtClean="0"/>
-              <a:pPr/>
-              <a:t>4/3/2023</a:t>
             </a:fld>
             <a:endParaRPr lang="en-US"/>
           </a:p>
@@ -376,8 +376,6 @@
           <a:p>
             <a:fld id="{B6F15528-21DE-4FAA-801E-634DDDAF4B2B}" type="slidenum">
               <a:rPr lang="en-US" smtClean="0"/>
-              <a:pPr/>
-              <a:t>‹#›</a:t>
             </a:fld>
             <a:endParaRPr lang="en-US"/>
           </a:p>
@@ -427,6 +425,7 @@
               <a:rPr lang="en-US"/>
               <a:t>Click to edit Master title style</a:t>
             </a:r>
+            <a:endParaRPr lang="en-US"/>
           </a:p>
         </p:txBody>
       </p:sp>
@@ -450,6 +449,7 @@
               <a:rPr lang="en-US"/>
               <a:t>Click to edit Master text styles</a:t>
             </a:r>
+            <a:endParaRPr lang="en-US"/>
           </a:p>
           <a:p>
             <a:pPr lvl="1"/>
@@ -457,6 +457,7 @@
               <a:rPr lang="en-US"/>
               <a:t>Second level</a:t>
             </a:r>
+            <a:endParaRPr lang="en-US"/>
           </a:p>
           <a:p>
             <a:pPr lvl="2"/>
@@ -464,6 +465,7 @@
               <a:rPr lang="en-US"/>
               <a:t>Third level</a:t>
             </a:r>
+            <a:endParaRPr lang="en-US"/>
           </a:p>
           <a:p>
             <a:pPr lvl="3"/>
@@ -471,6 +473,7 @@
               <a:rPr lang="en-US"/>
               <a:t>Fourth level</a:t>
             </a:r>
+            <a:endParaRPr lang="en-US"/>
           </a:p>
           <a:p>
             <a:pPr lvl="4"/>
@@ -478,6 +481,7 @@
               <a:rPr lang="en-US"/>
               <a:t>Fifth level</a:t>
             </a:r>
+            <a:endParaRPr lang="en-US"/>
           </a:p>
         </p:txBody>
       </p:sp>
@@ -498,8 +502,6 @@
           <a:p>
             <a:fld id="{1D8BD707-D9CF-40AE-B4C6-C98DA3205C09}" type="datetimeFigureOut">
               <a:rPr lang="en-US" smtClean="0"/>
-              <a:pPr/>
-              <a:t>4/3/2023</a:t>
             </a:fld>
             <a:endParaRPr lang="en-US"/>
           </a:p>
@@ -541,8 +543,6 @@
           <a:p>
             <a:fld id="{B6F15528-21DE-4FAA-801E-634DDDAF4B2B}" type="slidenum">
               <a:rPr lang="en-US" smtClean="0"/>
-              <a:pPr/>
-              <a:t>‹#›</a:t>
             </a:fld>
             <a:endParaRPr lang="en-US"/>
           </a:p>
@@ -597,6 +597,7 @@
               <a:rPr lang="en-US"/>
               <a:t>Click to edit Master title style</a:t>
             </a:r>
+            <a:endParaRPr lang="en-US"/>
           </a:p>
         </p:txBody>
       </p:sp>
@@ -625,6 +626,7 @@
               <a:rPr lang="en-US"/>
               <a:t>Click to edit Master text styles</a:t>
             </a:r>
+            <a:endParaRPr lang="en-US"/>
           </a:p>
           <a:p>
             <a:pPr lvl="1"/>
@@ -632,6 +634,7 @@
               <a:rPr lang="en-US"/>
               <a:t>Second level</a:t>
             </a:r>
+            <a:endParaRPr lang="en-US"/>
           </a:p>
           <a:p>
             <a:pPr lvl="2"/>
@@ -639,6 +642,7 @@
               <a:rPr lang="en-US"/>
               <a:t>Third level</a:t>
             </a:r>
+            <a:endParaRPr lang="en-US"/>
           </a:p>
           <a:p>
             <a:pPr lvl="3"/>
@@ -646,6 +650,7 @@
               <a:rPr lang="en-US"/>
               <a:t>Fourth level</a:t>
             </a:r>
+            <a:endParaRPr lang="en-US"/>
           </a:p>
           <a:p>
             <a:pPr lvl="4"/>
@@ -653,6 +658,7 @@
               <a:rPr lang="en-US"/>
               <a:t>Fifth level</a:t>
             </a:r>
+            <a:endParaRPr lang="en-US"/>
           </a:p>
         </p:txBody>
       </p:sp>
@@ -673,8 +679,6 @@
           <a:p>
             <a:fld id="{1D8BD707-D9CF-40AE-B4C6-C98DA3205C09}" type="datetimeFigureOut">
               <a:rPr lang="en-US" smtClean="0"/>
-              <a:pPr/>
-              <a:t>4/3/2023</a:t>
             </a:fld>
             <a:endParaRPr lang="en-US"/>
           </a:p>
@@ -716,8 +720,6 @@
           <a:p>
             <a:fld id="{B6F15528-21DE-4FAA-801E-634DDDAF4B2B}" type="slidenum">
               <a:rPr lang="en-US" smtClean="0"/>
-              <a:pPr/>
-              <a:t>‹#›</a:t>
             </a:fld>
             <a:endParaRPr lang="en-US"/>
           </a:p>
@@ -767,6 +769,7 @@
               <a:rPr lang="en-US"/>
               <a:t>Click to edit Master title style</a:t>
             </a:r>
+            <a:endParaRPr lang="en-US"/>
           </a:p>
         </p:txBody>
       </p:sp>
@@ -790,6 +793,7 @@
               <a:rPr lang="en-US"/>
               <a:t>Click to edit Master text styles</a:t>
             </a:r>
+            <a:endParaRPr lang="en-US"/>
           </a:p>
           <a:p>
             <a:pPr lvl="1"/>
@@ -797,6 +801,7 @@
               <a:rPr lang="en-US"/>
               <a:t>Second level</a:t>
             </a:r>
+            <a:endParaRPr lang="en-US"/>
           </a:p>
           <a:p>
             <a:pPr lvl="2"/>
@@ -804,6 +809,7 @@
               <a:rPr lang="en-US"/>
               <a:t>Third level</a:t>
             </a:r>
+            <a:endParaRPr lang="en-US"/>
           </a:p>
           <a:p>
             <a:pPr lvl="3"/>
@@ -811,6 +817,7 @@
               <a:rPr lang="en-US"/>
               <a:t>Fourth level</a:t>
             </a:r>
+            <a:endParaRPr lang="en-US"/>
           </a:p>
           <a:p>
             <a:pPr lvl="4"/>
@@ -818,6 +825,7 @@
               <a:rPr lang="en-US"/>
               <a:t>Fifth level</a:t>
             </a:r>
+            <a:endParaRPr lang="en-US"/>
           </a:p>
         </p:txBody>
       </p:sp>
@@ -838,8 +846,6 @@
           <a:p>
             <a:fld id="{1D8BD707-D9CF-40AE-B4C6-C98DA3205C09}" type="datetimeFigureOut">
               <a:rPr lang="en-US" smtClean="0"/>
-              <a:pPr/>
-              <a:t>4/3/2023</a:t>
             </a:fld>
             <a:endParaRPr lang="en-US"/>
           </a:p>
@@ -881,8 +887,6 @@
           <a:p>
             <a:fld id="{B6F15528-21DE-4FAA-801E-634DDDAF4B2B}" type="slidenum">
               <a:rPr lang="en-US" smtClean="0"/>
-              <a:pPr/>
-              <a:t>‹#›</a:t>
             </a:fld>
             <a:endParaRPr lang="en-US"/>
           </a:p>
@@ -941,6 +945,7 @@
               <a:rPr lang="en-US"/>
               <a:t>Click to edit Master title style</a:t>
             </a:r>
+            <a:endParaRPr lang="en-US"/>
           </a:p>
         </p:txBody>
       </p:sp>
@@ -1060,6 +1065,7 @@
               <a:rPr lang="en-US"/>
               <a:t>Click to edit Master text styles</a:t>
             </a:r>
+            <a:endParaRPr lang="en-US"/>
           </a:p>
         </p:txBody>
       </p:sp>
@@ -1080,8 +1086,6 @@
           <a:p>
             <a:fld id="{1D8BD707-D9CF-40AE-B4C6-C98DA3205C09}" type="datetimeFigureOut">
               <a:rPr lang="en-US" smtClean="0"/>
-              <a:pPr/>
-              <a:t>4/3/2023</a:t>
             </a:fld>
             <a:endParaRPr lang="en-US"/>
           </a:p>
@@ -1123,8 +1127,6 @@
           <a:p>
             <a:fld id="{B6F15528-21DE-4FAA-801E-634DDDAF4B2B}" type="slidenum">
               <a:rPr lang="en-US" smtClean="0"/>
-              <a:pPr/>
-              <a:t>‹#›</a:t>
             </a:fld>
             <a:endParaRPr lang="en-US"/>
           </a:p>
@@ -1174,6 +1176,7 @@
               <a:rPr lang="en-US"/>
               <a:t>Click to edit Master title style</a:t>
             </a:r>
+            <a:endParaRPr lang="en-US"/>
           </a:p>
         </p:txBody>
       </p:sp>
@@ -1230,6 +1233,7 @@
               <a:rPr lang="en-US"/>
               <a:t>Click to edit Master text styles</a:t>
             </a:r>
+            <a:endParaRPr lang="en-US"/>
           </a:p>
           <a:p>
             <a:pPr lvl="1"/>
@@ -1237,6 +1241,7 @@
               <a:rPr lang="en-US"/>
               <a:t>Second level</a:t>
             </a:r>
+            <a:endParaRPr lang="en-US"/>
           </a:p>
           <a:p>
             <a:pPr lvl="2"/>
@@ -1244,6 +1249,7 @@
               <a:rPr lang="en-US"/>
               <a:t>Third level</a:t>
             </a:r>
+            <a:endParaRPr lang="en-US"/>
           </a:p>
           <a:p>
             <a:pPr lvl="3"/>
@@ -1251,6 +1257,7 @@
               <a:rPr lang="en-US"/>
               <a:t>Fourth level</a:t>
             </a:r>
+            <a:endParaRPr lang="en-US"/>
           </a:p>
           <a:p>
             <a:pPr lvl="4"/>
@@ -1258,6 +1265,7 @@
               <a:rPr lang="en-US"/>
               <a:t>Fifth level</a:t>
             </a:r>
+            <a:endParaRPr lang="en-US"/>
           </a:p>
         </p:txBody>
       </p:sp>
@@ -1314,6 +1322,7 @@
               <a:rPr lang="en-US"/>
               <a:t>Click to edit Master text styles</a:t>
             </a:r>
+            <a:endParaRPr lang="en-US"/>
           </a:p>
           <a:p>
             <a:pPr lvl="1"/>
@@ -1321,6 +1330,7 @@
               <a:rPr lang="en-US"/>
               <a:t>Second level</a:t>
             </a:r>
+            <a:endParaRPr lang="en-US"/>
           </a:p>
           <a:p>
             <a:pPr lvl="2"/>
@@ -1328,6 +1338,7 @@
               <a:rPr lang="en-US"/>
               <a:t>Third level</a:t>
             </a:r>
+            <a:endParaRPr lang="en-US"/>
           </a:p>
           <a:p>
             <a:pPr lvl="3"/>
@@ -1335,6 +1346,7 @@
               <a:rPr lang="en-US"/>
               <a:t>Fourth level</a:t>
             </a:r>
+            <a:endParaRPr lang="en-US"/>
           </a:p>
           <a:p>
             <a:pPr lvl="4"/>
@@ -1342,6 +1354,7 @@
               <a:rPr lang="en-US"/>
               <a:t>Fifth level</a:t>
             </a:r>
+            <a:endParaRPr lang="en-US"/>
           </a:p>
         </p:txBody>
       </p:sp>
@@ -1362,8 +1375,6 @@
           <a:p>
             <a:fld id="{1D8BD707-D9CF-40AE-B4C6-C98DA3205C09}" type="datetimeFigureOut">
               <a:rPr lang="en-US" smtClean="0"/>
-              <a:pPr/>
-              <a:t>4/3/2023</a:t>
             </a:fld>
             <a:endParaRPr lang="en-US"/>
           </a:p>
@@ -1405,8 +1416,6 @@
           <a:p>
             <a:fld id="{B6F15528-21DE-4FAA-801E-634DDDAF4B2B}" type="slidenum">
               <a:rPr lang="en-US" smtClean="0"/>
-              <a:pPr/>
-              <a:t>‹#›</a:t>
             </a:fld>
             <a:endParaRPr lang="en-US"/>
           </a:p>
@@ -1460,6 +1469,7 @@
               <a:rPr lang="en-US"/>
               <a:t>Click to edit Master title style</a:t>
             </a:r>
+            <a:endParaRPr lang="en-US"/>
           </a:p>
         </p:txBody>
       </p:sp>
@@ -1525,6 +1535,7 @@
               <a:rPr lang="en-US"/>
               <a:t>Click to edit Master text styles</a:t>
             </a:r>
+            <a:endParaRPr lang="en-US"/>
           </a:p>
         </p:txBody>
       </p:sp>
@@ -1581,6 +1592,7 @@
               <a:rPr lang="en-US"/>
               <a:t>Click to edit Master text styles</a:t>
             </a:r>
+            <a:endParaRPr lang="en-US"/>
           </a:p>
           <a:p>
             <a:pPr lvl="1"/>
@@ -1588,6 +1600,7 @@
               <a:rPr lang="en-US"/>
               <a:t>Second level</a:t>
             </a:r>
+            <a:endParaRPr lang="en-US"/>
           </a:p>
           <a:p>
             <a:pPr lvl="2"/>
@@ -1595,6 +1608,7 @@
               <a:rPr lang="en-US"/>
               <a:t>Third level</a:t>
             </a:r>
+            <a:endParaRPr lang="en-US"/>
           </a:p>
           <a:p>
             <a:pPr lvl="3"/>
@@ -1602,6 +1616,7 @@
               <a:rPr lang="en-US"/>
               <a:t>Fourth level</a:t>
             </a:r>
+            <a:endParaRPr lang="en-US"/>
           </a:p>
           <a:p>
             <a:pPr lvl="4"/>
@@ -1609,6 +1624,7 @@
               <a:rPr lang="en-US"/>
               <a:t>Fifth level</a:t>
             </a:r>
+            <a:endParaRPr lang="en-US"/>
           </a:p>
         </p:txBody>
       </p:sp>
@@ -1674,6 +1690,7 @@
               <a:rPr lang="en-US"/>
               <a:t>Click to edit Master text styles</a:t>
             </a:r>
+            <a:endParaRPr lang="en-US"/>
           </a:p>
         </p:txBody>
       </p:sp>
@@ -1730,6 +1747,7 @@
               <a:rPr lang="en-US"/>
               <a:t>Click to edit Master text styles</a:t>
             </a:r>
+            <a:endParaRPr lang="en-US"/>
           </a:p>
           <a:p>
             <a:pPr lvl="1"/>
@@ -1737,6 +1755,7 @@
               <a:rPr lang="en-US"/>
               <a:t>Second level</a:t>
             </a:r>
+            <a:endParaRPr lang="en-US"/>
           </a:p>
           <a:p>
             <a:pPr lvl="2"/>
@@ -1744,6 +1763,7 @@
               <a:rPr lang="en-US"/>
               <a:t>Third level</a:t>
             </a:r>
+            <a:endParaRPr lang="en-US"/>
           </a:p>
           <a:p>
             <a:pPr lvl="3"/>
@@ -1751,6 +1771,7 @@
               <a:rPr lang="en-US"/>
               <a:t>Fourth level</a:t>
             </a:r>
+            <a:endParaRPr lang="en-US"/>
           </a:p>
           <a:p>
             <a:pPr lvl="4"/>
@@ -1758,6 +1779,7 @@
               <a:rPr lang="en-US"/>
               <a:t>Fifth level</a:t>
             </a:r>
+            <a:endParaRPr lang="en-US"/>
           </a:p>
         </p:txBody>
       </p:sp>
@@ -1778,8 +1800,6 @@
           <a:p>
             <a:fld id="{1D8BD707-D9CF-40AE-B4C6-C98DA3205C09}" type="datetimeFigureOut">
               <a:rPr lang="en-US" smtClean="0"/>
-              <a:pPr/>
-              <a:t>4/3/2023</a:t>
             </a:fld>
             <a:endParaRPr lang="en-US"/>
           </a:p>
@@ -1821,8 +1841,6 @@
           <a:p>
             <a:fld id="{B6F15528-21DE-4FAA-801E-634DDDAF4B2B}" type="slidenum">
               <a:rPr lang="en-US" smtClean="0"/>
-              <a:pPr/>
-              <a:t>‹#›</a:t>
             </a:fld>
             <a:endParaRPr lang="en-US"/>
           </a:p>
@@ -1872,6 +1890,7 @@
               <a:rPr lang="en-US"/>
               <a:t>Click to edit Master title style</a:t>
             </a:r>
+            <a:endParaRPr lang="en-US"/>
           </a:p>
         </p:txBody>
       </p:sp>
@@ -1892,8 +1911,6 @@
           <a:p>
             <a:fld id="{1D8BD707-D9CF-40AE-B4C6-C98DA3205C09}" type="datetimeFigureOut">
               <a:rPr lang="en-US" smtClean="0"/>
-              <a:pPr/>
-              <a:t>4/3/2023</a:t>
             </a:fld>
             <a:endParaRPr lang="en-US"/>
           </a:p>
@@ -1935,8 +1952,6 @@
           <a:p>
             <a:fld id="{B6F15528-21DE-4FAA-801E-634DDDAF4B2B}" type="slidenum">
               <a:rPr lang="en-US" smtClean="0"/>
-              <a:pPr/>
-              <a:t>‹#›</a:t>
             </a:fld>
             <a:endParaRPr lang="en-US"/>
           </a:p>
@@ -1984,8 +1999,6 @@
           <a:p>
             <a:fld id="{1D8BD707-D9CF-40AE-B4C6-C98DA3205C09}" type="datetimeFigureOut">
               <a:rPr lang="en-US" smtClean="0"/>
-              <a:pPr/>
-              <a:t>4/3/2023</a:t>
             </a:fld>
             <a:endParaRPr lang="en-US"/>
           </a:p>
@@ -2027,8 +2040,6 @@
           <a:p>
             <a:fld id="{B6F15528-21DE-4FAA-801E-634DDDAF4B2B}" type="slidenum">
               <a:rPr lang="en-US" smtClean="0"/>
-              <a:pPr/>
-              <a:t>‹#›</a:t>
             </a:fld>
             <a:endParaRPr lang="en-US"/>
           </a:p>
@@ -2087,6 +2098,7 @@
               <a:rPr lang="en-US"/>
               <a:t>Click to edit Master title style</a:t>
             </a:r>
+            <a:endParaRPr lang="en-US"/>
           </a:p>
         </p:txBody>
       </p:sp>
@@ -2143,6 +2155,7 @@
               <a:rPr lang="en-US"/>
               <a:t>Click to edit Master text styles</a:t>
             </a:r>
+            <a:endParaRPr lang="en-US"/>
           </a:p>
           <a:p>
             <a:pPr lvl="1"/>
@@ -2150,6 +2163,7 @@
               <a:rPr lang="en-US"/>
               <a:t>Second level</a:t>
             </a:r>
+            <a:endParaRPr lang="en-US"/>
           </a:p>
           <a:p>
             <a:pPr lvl="2"/>
@@ -2157,6 +2171,7 @@
               <a:rPr lang="en-US"/>
               <a:t>Third level</a:t>
             </a:r>
+            <a:endParaRPr lang="en-US"/>
           </a:p>
           <a:p>
             <a:pPr lvl="3"/>
@@ -2164,6 +2179,7 @@
               <a:rPr lang="en-US"/>
               <a:t>Fourth level</a:t>
             </a:r>
+            <a:endParaRPr lang="en-US"/>
           </a:p>
           <a:p>
             <a:pPr lvl="4"/>
@@ -2171,6 +2187,7 @@
               <a:rPr lang="en-US"/>
               <a:t>Fifth level</a:t>
             </a:r>
+            <a:endParaRPr lang="en-US"/>
           </a:p>
         </p:txBody>
       </p:sp>
@@ -2236,6 +2253,7 @@
               <a:rPr lang="en-US"/>
               <a:t>Click to edit Master text styles</a:t>
             </a:r>
+            <a:endParaRPr lang="en-US"/>
           </a:p>
         </p:txBody>
       </p:sp>
@@ -2256,8 +2274,6 @@
           <a:p>
             <a:fld id="{1D8BD707-D9CF-40AE-B4C6-C98DA3205C09}" type="datetimeFigureOut">
               <a:rPr lang="en-US" smtClean="0"/>
-              <a:pPr/>
-              <a:t>4/3/2023</a:t>
             </a:fld>
             <a:endParaRPr lang="en-US"/>
           </a:p>
@@ -2299,8 +2315,6 @@
           <a:p>
             <a:fld id="{B6F15528-21DE-4FAA-801E-634DDDAF4B2B}" type="slidenum">
               <a:rPr lang="en-US" smtClean="0"/>
-              <a:pPr/>
-              <a:t>‹#›</a:t>
             </a:fld>
             <a:endParaRPr lang="en-US"/>
           </a:p>
@@ -2359,6 +2373,7 @@
               <a:rPr lang="en-US"/>
               <a:t>Click to edit Master title style</a:t>
             </a:r>
+            <a:endParaRPr lang="en-US"/>
           </a:p>
         </p:txBody>
       </p:sp>
@@ -2485,6 +2500,7 @@
               <a:rPr lang="en-US"/>
               <a:t>Click to edit Master text styles</a:t>
             </a:r>
+            <a:endParaRPr lang="en-US"/>
           </a:p>
         </p:txBody>
       </p:sp>
@@ -2505,8 +2521,6 @@
           <a:p>
             <a:fld id="{1D8BD707-D9CF-40AE-B4C6-C98DA3205C09}" type="datetimeFigureOut">
               <a:rPr lang="en-US" smtClean="0"/>
-              <a:pPr/>
-              <a:t>4/3/2023</a:t>
             </a:fld>
             <a:endParaRPr lang="en-US"/>
           </a:p>
@@ -2548,8 +2562,6 @@
           <a:p>
             <a:fld id="{B6F15528-21DE-4FAA-801E-634DDDAF4B2B}" type="slidenum">
               <a:rPr lang="en-US" smtClean="0"/>
-              <a:pPr/>
-              <a:t>‹#›</a:t>
             </a:fld>
             <a:endParaRPr lang="en-US"/>
           </a:p>
@@ -2614,6 +2626,7 @@
               <a:rPr lang="en-US"/>
               <a:t>Click to edit Master title style</a:t>
             </a:r>
+            <a:endParaRPr lang="en-US"/>
           </a:p>
         </p:txBody>
       </p:sp>
@@ -2647,6 +2660,7 @@
               <a:rPr lang="en-US"/>
               <a:t>Click to edit Master text styles</a:t>
             </a:r>
+            <a:endParaRPr lang="en-US"/>
           </a:p>
           <a:p>
             <a:pPr lvl="1"/>
@@ -2654,6 +2668,7 @@
               <a:rPr lang="en-US"/>
               <a:t>Second level</a:t>
             </a:r>
+            <a:endParaRPr lang="en-US"/>
           </a:p>
           <a:p>
             <a:pPr lvl="2"/>
@@ -2661,6 +2676,7 @@
               <a:rPr lang="en-US"/>
               <a:t>Third level</a:t>
             </a:r>
+            <a:endParaRPr lang="en-US"/>
           </a:p>
           <a:p>
             <a:pPr lvl="3"/>
@@ -2668,6 +2684,7 @@
               <a:rPr lang="en-US"/>
               <a:t>Fourth level</a:t>
             </a:r>
+            <a:endParaRPr lang="en-US"/>
           </a:p>
           <a:p>
             <a:pPr lvl="4"/>
@@ -2675,6 +2692,7 @@
               <a:rPr lang="en-US"/>
               <a:t>Fifth level</a:t>
             </a:r>
+            <a:endParaRPr lang="en-US"/>
           </a:p>
         </p:txBody>
       </p:sp>
@@ -2713,8 +2731,6 @@
           <a:p>
             <a:fld id="{1D8BD707-D9CF-40AE-B4C6-C98DA3205C09}" type="datetimeFigureOut">
               <a:rPr lang="en-US" smtClean="0"/>
-              <a:pPr/>
-              <a:t>4/3/2023</a:t>
             </a:fld>
             <a:endParaRPr lang="en-US"/>
           </a:p>
@@ -2792,8 +2808,6 @@
           <a:p>
             <a:fld id="{B6F15528-21DE-4FAA-801E-634DDDAF4B2B}" type="slidenum">
               <a:rPr lang="en-US" smtClean="0"/>
-              <a:pPr/>
-              <a:t>‹#›</a:t>
             </a:fld>
             <a:endParaRPr lang="en-US"/>
           </a:p>
@@ -2837,7 +2851,7 @@
         <a:spcBef>
           <a:spcPct val="20000"/>
         </a:spcBef>
-        <a:buFont typeface="Arial" pitchFamily="34" charset="0"/>
+        <a:buFont typeface="Arial" panose="020B0604020202020204" pitchFamily="34" charset="0"/>
         <a:buChar char="•"/>
         <a:defRPr sz="3200" kern="1200">
           <a:solidFill>
@@ -2852,7 +2866,7 @@
         <a:spcBef>
           <a:spcPct val="20000"/>
         </a:spcBef>
-        <a:buFont typeface="Arial" pitchFamily="34" charset="0"/>
+        <a:buFont typeface="Arial" panose="020B0604020202020204" pitchFamily="34" charset="0"/>
         <a:buChar char="–"/>
         <a:defRPr sz="2800" kern="1200">
           <a:solidFill>
@@ -2867,7 +2881,7 @@
         <a:spcBef>
           <a:spcPct val="20000"/>
         </a:spcBef>
-        <a:buFont typeface="Arial" pitchFamily="34" charset="0"/>
+        <a:buFont typeface="Arial" panose="020B0604020202020204" pitchFamily="34" charset="0"/>
         <a:buChar char="•"/>
         <a:defRPr sz="2400" kern="1200">
           <a:solidFill>
@@ -2882,7 +2896,7 @@
         <a:spcBef>
           <a:spcPct val="20000"/>
         </a:spcBef>
-        <a:buFont typeface="Arial" pitchFamily="34" charset="0"/>
+        <a:buFont typeface="Arial" panose="020B0604020202020204" pitchFamily="34" charset="0"/>
         <a:buChar char="–"/>
         <a:defRPr sz="2000" kern="1200">
           <a:solidFill>
@@ -2897,7 +2911,7 @@
         <a:spcBef>
           <a:spcPct val="20000"/>
         </a:spcBef>
-        <a:buFont typeface="Arial" pitchFamily="34" charset="0"/>
+        <a:buFont typeface="Arial" panose="020B0604020202020204" pitchFamily="34" charset="0"/>
         <a:buChar char="»"/>
         <a:defRPr sz="2000" kern="1200">
           <a:solidFill>
@@ -2912,7 +2926,7 @@
         <a:spcBef>
           <a:spcPct val="20000"/>
         </a:spcBef>
-        <a:buFont typeface="Arial" pitchFamily="34" charset="0"/>
+        <a:buFont typeface="Arial" panose="020B0604020202020204" pitchFamily="34" charset="0"/>
         <a:buChar char="•"/>
         <a:defRPr sz="2000" kern="1200">
           <a:solidFill>
@@ -2927,7 +2941,7 @@
         <a:spcBef>
           <a:spcPct val="20000"/>
         </a:spcBef>
-        <a:buFont typeface="Arial" pitchFamily="34" charset="0"/>
+        <a:buFont typeface="Arial" panose="020B0604020202020204" pitchFamily="34" charset="0"/>
         <a:buChar char="•"/>
         <a:defRPr sz="2000" kern="1200">
           <a:solidFill>
@@ -2942,7 +2956,7 @@
         <a:spcBef>
           <a:spcPct val="20000"/>
         </a:spcBef>
-        <a:buFont typeface="Arial" pitchFamily="34" charset="0"/>
+        <a:buFont typeface="Arial" panose="020B0604020202020204" pitchFamily="34" charset="0"/>
         <a:buChar char="•"/>
         <a:defRPr sz="2000" kern="1200">
           <a:solidFill>
@@ -2957,7 +2971,7 @@
         <a:spcBef>
           <a:spcPct val="20000"/>
         </a:spcBef>
-        <a:buFont typeface="Arial" pitchFamily="34" charset="0"/>
+        <a:buFont typeface="Arial" panose="020B0604020202020204" pitchFamily="34" charset="0"/>
         <a:buChar char="•"/>
         <a:defRPr sz="2000" kern="1200">
           <a:solidFill>
@@ -3093,82 +3107,6 @@
           <a:chExt cx="0" cy="0"/>
         </a:xfrm>
       </p:grpSpPr>
-      <p:sp>
-        <p:nvSpPr>
-          <p:cNvPr id="2" name="TextBox 2"/>
-          <p:cNvSpPr txBox="1"/>
-          <p:nvPr/>
-        </p:nvSpPr>
-        <p:spPr>
-          <a:xfrm>
-            <a:off x="10321871" y="1038225"/>
-            <a:ext cx="6937429" cy="352425"/>
-          </a:xfrm>
-          <a:prstGeom prst="rect">
-            <a:avLst/>
-          </a:prstGeom>
-        </p:spPr>
-        <p:txBody>
-          <a:bodyPr lIns="0" tIns="0" rIns="0" bIns="0" rtlCol="0" anchor="t">
-            <a:spAutoFit/>
-          </a:bodyPr>
-          <a:lstStyle/>
-          <a:p>
-            <a:pPr marL="0" lvl="0" indent="0" algn="r">
-              <a:lnSpc>
-                <a:spcPts val="2879"/>
-              </a:lnSpc>
-            </a:pPr>
-            <a:r>
-              <a:rPr lang="en-US" sz="2400">
-                <a:solidFill>
-                  <a:srgbClr val="FFFFFF"/>
-                </a:solidFill>
-                <a:latin typeface="Montserrat"/>
-              </a:rPr>
-              <a:t>Nhóm 10</a:t>
-            </a:r>
-          </a:p>
-        </p:txBody>
-      </p:sp>
-      <p:sp>
-        <p:nvSpPr>
-          <p:cNvPr id="3" name="TextBox 3"/>
-          <p:cNvSpPr txBox="1"/>
-          <p:nvPr/>
-        </p:nvSpPr>
-        <p:spPr>
-          <a:xfrm>
-            <a:off x="1028700" y="1038225"/>
-            <a:ext cx="4413745" cy="352425"/>
-          </a:xfrm>
-          <a:prstGeom prst="rect">
-            <a:avLst/>
-          </a:prstGeom>
-        </p:spPr>
-        <p:txBody>
-          <a:bodyPr lIns="0" tIns="0" rIns="0" bIns="0" rtlCol="0" anchor="t">
-            <a:spAutoFit/>
-          </a:bodyPr>
-          <a:lstStyle/>
-          <a:p>
-            <a:pPr marL="0" lvl="0" indent="0">
-              <a:lnSpc>
-                <a:spcPts val="2879"/>
-              </a:lnSpc>
-            </a:pPr>
-            <a:r>
-              <a:rPr lang="en-US" sz="2400">
-                <a:solidFill>
-                  <a:srgbClr val="FFFFFF"/>
-                </a:solidFill>
-                <a:latin typeface="Montserrat"/>
-              </a:rPr>
-              <a:t>Nhập môn khoa học dữ liệu</a:t>
-            </a:r>
-          </a:p>
-        </p:txBody>
-      </p:sp>
       <p:grpSp>
         <p:nvGrpSpPr>
           <p:cNvPr id="4" name="Group 4"/>
@@ -3177,10 +3115,10 @@
         </p:nvGrpSpPr>
         <p:grpSpPr>
           <a:xfrm>
-            <a:off x="1238991" y="2550975"/>
-            <a:ext cx="15810019" cy="5641178"/>
+            <a:off x="1238885" y="3340100"/>
+            <a:ext cx="15810230" cy="4884420"/>
             <a:chOff x="0" y="91525"/>
-            <a:chExt cx="21080025" cy="7521570"/>
+            <a:chExt cx="21080025" cy="7564892"/>
           </a:xfrm>
         </p:grpSpPr>
         <p:sp>
@@ -3192,7 +3130,7 @@
           <p:spPr>
             <a:xfrm>
               <a:off x="0" y="91525"/>
-              <a:ext cx="21080025" cy="6226444"/>
+              <a:ext cx="21080025" cy="4806244"/>
             </a:xfrm>
             <a:prstGeom prst="rect">
               <a:avLst/>
@@ -3210,7 +3148,7 @@
                 </a:lnSpc>
               </a:pPr>
               <a:r>
-                <a:rPr lang="en-US" sz="10999">
+                <a:rPr lang="en-US" sz="11000">
                   <a:solidFill>
                     <a:srgbClr val="FFFFFF"/>
                   </a:solidFill>
@@ -3218,6 +3156,12 @@
                 </a:rPr>
                 <a:t>HỆ THỐNG ĐỀ XUẤT ÂM NHẠC  SPOTIFY</a:t>
               </a:r>
+              <a:endParaRPr lang="en-US" sz="11000">
+                <a:solidFill>
+                  <a:srgbClr val="FFFFFF"/>
+                </a:solidFill>
+                <a:latin typeface="Sigmar One Bold"/>
+              </a:endParaRPr>
             </a:p>
           </p:txBody>
         </p:sp>
@@ -3230,7 +3174,7 @@
           <p:spPr>
             <a:xfrm>
               <a:off x="0" y="7058670"/>
-              <a:ext cx="21080025" cy="554425"/>
+              <a:ext cx="21080025" cy="597747"/>
             </a:xfrm>
             <a:prstGeom prst="rect">
               <a:avLst/>
@@ -3247,15 +3191,12 @@
                   <a:spcPts val="3500"/>
                 </a:lnSpc>
               </a:pPr>
-              <a:r>
-                <a:rPr lang="en-US" sz="2500" dirty="0">
-                  <a:solidFill>
-                    <a:srgbClr val="FF19CF"/>
-                  </a:solidFill>
-                  <a:latin typeface="Montserrat Bold"/>
-                </a:rPr>
-                <a:t>NGUYỄN QUANG HUY - B19DCCN314</a:t>
-              </a:r>
+              <a:endParaRPr lang="en-US" sz="2500" dirty="0">
+                <a:solidFill>
+                  <a:srgbClr val="FF19CF"/>
+                </a:solidFill>
+                <a:latin typeface="Montserrat Bold" panose="00000600000000000000"/>
+              </a:endParaRPr>
             </a:p>
           </p:txBody>
         </p:sp>
@@ -3462,14 +3403,14 @@
             <a:p>
               <a:pPr marL="0" lvl="0" indent="0" algn="ctr">
                 <a:lnSpc>
-                  <a:spcPts val="2612"/>
+                  <a:spcPts val="2610"/>
                 </a:lnSpc>
                 <a:spcBef>
                   <a:spcPct val="0"/>
                 </a:spcBef>
               </a:pPr>
               <a:r>
-                <a:rPr lang="en-US" sz="2721">
+                <a:rPr lang="en-US" sz="2720">
                   <a:solidFill>
                     <a:srgbClr val="FFFFFF"/>
                   </a:solidFill>
@@ -3477,6 +3418,12 @@
                 </a:rPr>
                 <a:t>*</a:t>
               </a:r>
+              <a:endParaRPr lang="en-US" sz="2720">
+                <a:solidFill>
+                  <a:srgbClr val="FFFFFF"/>
+                </a:solidFill>
+                <a:latin typeface="Sigmar One Bold"/>
+              </a:endParaRPr>
             </a:p>
           </p:txBody>
         </p:sp>
@@ -3490,7 +3437,7 @@
           <p:nvPr/>
         </p:nvPicPr>
         <p:blipFill>
-          <a:blip r:embed="rId2"/>
+          <a:blip r:embed="rId1"/>
           <a:srcRect/>
           <a:stretch>
             <a:fillRect/>
@@ -3675,21 +3622,27 @@
             <a:p>
               <a:pPr marL="0" lvl="0" indent="0" algn="ctr">
                 <a:lnSpc>
-                  <a:spcPts val="4949"/>
+                  <a:spcPts val="4950"/>
                 </a:lnSpc>
                 <a:spcBef>
                   <a:spcPct val="0"/>
                 </a:spcBef>
               </a:pPr>
               <a:r>
-                <a:rPr lang="en-US" sz="5156">
+                <a:rPr lang="en-US" sz="5155">
                   <a:solidFill>
                     <a:srgbClr val="FFFFFF"/>
                   </a:solidFill>
-                  <a:latin typeface="Sigmar One"/>
+                  <a:latin typeface="Sigmar One" panose="00000500000000000000"/>
                 </a:rPr>
                 <a:t>4</a:t>
               </a:r>
+              <a:endParaRPr lang="en-US" sz="5155">
+                <a:solidFill>
+                  <a:srgbClr val="FFFFFF"/>
+                </a:solidFill>
+                <a:latin typeface="Sigmar One" panose="00000500000000000000"/>
+              </a:endParaRPr>
             </a:p>
           </p:txBody>
         </p:sp>
@@ -3863,14 +3816,14 @@
             <a:p>
               <a:pPr marL="0" lvl="0" indent="0" algn="ctr">
                 <a:lnSpc>
-                  <a:spcPts val="2612"/>
+                  <a:spcPts val="2610"/>
                 </a:lnSpc>
                 <a:spcBef>
                   <a:spcPct val="0"/>
                 </a:spcBef>
               </a:pPr>
               <a:r>
-                <a:rPr lang="en-US" sz="2721">
+                <a:rPr lang="en-US" sz="2720">
                   <a:solidFill>
                     <a:srgbClr val="FFFFFF"/>
                   </a:solidFill>
@@ -3878,6 +3831,12 @@
                 </a:rPr>
                 <a:t>*</a:t>
               </a:r>
+              <a:endParaRPr lang="en-US" sz="2720">
+                <a:solidFill>
+                  <a:srgbClr val="FFFFFF"/>
+                </a:solidFill>
+                <a:latin typeface="Sigmar One Bold"/>
+              </a:endParaRPr>
             </a:p>
           </p:txBody>
         </p:sp>
@@ -3891,7 +3850,7 @@
           <p:nvPr/>
         </p:nvPicPr>
         <p:blipFill>
-          <a:blip r:embed="rId3"/>
+          <a:blip r:embed="rId2"/>
           <a:srcRect/>
           <a:stretch>
             <a:fillRect/>
@@ -3916,7 +3875,7 @@
         <p:spPr>
           <a:xfrm>
             <a:off x="13326257" y="1038225"/>
-            <a:ext cx="3933043" cy="352425"/>
+            <a:ext cx="3933043" cy="368935"/>
           </a:xfrm>
           <a:prstGeom prst="rect">
             <a:avLst/>
@@ -3930,18 +3889,15 @@
           <a:p>
             <a:pPr marL="0" lvl="0" indent="0" algn="r">
               <a:lnSpc>
-                <a:spcPts val="2879"/>
+                <a:spcPts val="2880"/>
               </a:lnSpc>
             </a:pPr>
-            <a:r>
-              <a:rPr lang="en-US" sz="2400">
-                <a:solidFill>
-                  <a:srgbClr val="FFFFFF"/>
-                </a:solidFill>
-                <a:latin typeface="Montserrat"/>
-              </a:rPr>
-              <a:t>Nhóm 10</a:t>
-            </a:r>
+            <a:endParaRPr lang="en-US" sz="2400">
+              <a:solidFill>
+                <a:srgbClr val="FFFFFF"/>
+              </a:solidFill>
+              <a:latin typeface="Montserrat" panose="00000500000000000000"/>
+            </a:endParaRPr>
           </a:p>
         </p:txBody>
       </p:sp>
@@ -3954,7 +3910,7 @@
         <p:spPr>
           <a:xfrm>
             <a:off x="1028700" y="1038225"/>
-            <a:ext cx="4581990" cy="352425"/>
+            <a:ext cx="4581990" cy="368935"/>
           </a:xfrm>
           <a:prstGeom prst="rect">
             <a:avLst/>
@@ -3968,18 +3924,15 @@
           <a:p>
             <a:pPr marL="0" lvl="0" indent="0">
               <a:lnSpc>
-                <a:spcPts val="2879"/>
+                <a:spcPts val="2880"/>
               </a:lnSpc>
             </a:pPr>
-            <a:r>
-              <a:rPr lang="en-US" sz="2400">
-                <a:solidFill>
-                  <a:srgbClr val="FFFFFF"/>
-                </a:solidFill>
-                <a:latin typeface="Montserrat"/>
-              </a:rPr>
-              <a:t>nhập môn khoa học dữ liệu</a:t>
-            </a:r>
+            <a:endParaRPr lang="en-US" sz="2400">
+              <a:solidFill>
+                <a:srgbClr val="FFFFFF"/>
+              </a:solidFill>
+              <a:latin typeface="Montserrat" panose="00000500000000000000"/>
+            </a:endParaRPr>
           </a:p>
         </p:txBody>
       </p:sp>
@@ -4006,11 +3959,11 @@
           <a:p>
             <a:pPr>
               <a:lnSpc>
-                <a:spcPts val="8458"/>
+                <a:spcPts val="8460"/>
               </a:lnSpc>
             </a:pPr>
             <a:r>
-              <a:rPr lang="en-US" sz="6506">
+              <a:rPr lang="en-US" sz="6505">
                 <a:solidFill>
                   <a:srgbClr val="FFFFFF"/>
                 </a:solidFill>
@@ -4018,6 +3971,12 @@
               </a:rPr>
               <a:t>TRIỂN KHAI HỆ THỐNG VỚI FLASK</a:t>
             </a:r>
+            <a:endParaRPr lang="en-US" sz="6505">
+              <a:solidFill>
+                <a:srgbClr val="FFFFFF"/>
+              </a:solidFill>
+              <a:latin typeface="Sigmar One Bold"/>
+            </a:endParaRPr>
           </a:p>
         </p:txBody>
       </p:sp>
@@ -4054,82 +4013,6 @@
           <a:chExt cx="0" cy="0"/>
         </a:xfrm>
       </p:grpSpPr>
-      <p:sp>
-        <p:nvSpPr>
-          <p:cNvPr id="2" name="TextBox 2"/>
-          <p:cNvSpPr txBox="1"/>
-          <p:nvPr/>
-        </p:nvSpPr>
-        <p:spPr>
-          <a:xfrm>
-            <a:off x="13326257" y="1038225"/>
-            <a:ext cx="3933043" cy="352425"/>
-          </a:xfrm>
-          <a:prstGeom prst="rect">
-            <a:avLst/>
-          </a:prstGeom>
-        </p:spPr>
-        <p:txBody>
-          <a:bodyPr lIns="0" tIns="0" rIns="0" bIns="0" rtlCol="0" anchor="t">
-            <a:spAutoFit/>
-          </a:bodyPr>
-          <a:lstStyle/>
-          <a:p>
-            <a:pPr marL="0" lvl="0" indent="0" algn="r">
-              <a:lnSpc>
-                <a:spcPts val="2879"/>
-              </a:lnSpc>
-            </a:pPr>
-            <a:r>
-              <a:rPr lang="en-US" sz="2400">
-                <a:solidFill>
-                  <a:srgbClr val="FFFFFF"/>
-                </a:solidFill>
-                <a:latin typeface="Montserrat"/>
-              </a:rPr>
-              <a:t>Nhóm 10</a:t>
-            </a:r>
-          </a:p>
-        </p:txBody>
-      </p:sp>
-      <p:sp>
-        <p:nvSpPr>
-          <p:cNvPr id="3" name="TextBox 3"/>
-          <p:cNvSpPr txBox="1"/>
-          <p:nvPr/>
-        </p:nvSpPr>
-        <p:spPr>
-          <a:xfrm>
-            <a:off x="1028700" y="1038225"/>
-            <a:ext cx="4811602" cy="352425"/>
-          </a:xfrm>
-          <a:prstGeom prst="rect">
-            <a:avLst/>
-          </a:prstGeom>
-        </p:spPr>
-        <p:txBody>
-          <a:bodyPr lIns="0" tIns="0" rIns="0" bIns="0" rtlCol="0" anchor="t">
-            <a:spAutoFit/>
-          </a:bodyPr>
-          <a:lstStyle/>
-          <a:p>
-            <a:pPr marL="0" lvl="0" indent="0">
-              <a:lnSpc>
-                <a:spcPts val="2879"/>
-              </a:lnSpc>
-            </a:pPr>
-            <a:r>
-              <a:rPr lang="en-US" sz="2400">
-                <a:solidFill>
-                  <a:srgbClr val="FFFFFF"/>
-                </a:solidFill>
-                <a:latin typeface="Montserrat"/>
-              </a:rPr>
-              <a:t>Nhập môn khoa học dữ liệu</a:t>
-            </a:r>
-          </a:p>
-        </p:txBody>
-      </p:sp>
       <p:grpSp>
         <p:nvGrpSpPr>
           <p:cNvPr id="4" name="Group 4"/>
@@ -4138,10 +4021,10 @@
         </p:nvGrpSpPr>
         <p:grpSpPr>
           <a:xfrm>
-            <a:off x="1484526" y="4672280"/>
-            <a:ext cx="15318947" cy="1884058"/>
-            <a:chOff x="0" y="0"/>
-            <a:chExt cx="20425263" cy="2512077"/>
+            <a:off x="1484526" y="4387296"/>
+            <a:ext cx="15318947" cy="2203386"/>
+            <a:chOff x="0" y="-379979"/>
+            <a:chExt cx="20425263" cy="2937847"/>
           </a:xfrm>
         </p:grpSpPr>
         <p:sp>
@@ -4167,18 +4050,24 @@
             <a:p>
               <a:pPr algn="ctr">
                 <a:lnSpc>
-                  <a:spcPts val="11049"/>
+                  <a:spcPts val="11050"/>
                 </a:lnSpc>
               </a:pPr>
               <a:r>
-                <a:rPr lang="en-US" sz="8499">
+                <a:rPr lang="en-US" sz="8500">
                   <a:solidFill>
                     <a:srgbClr val="FFFFFF"/>
                   </a:solidFill>
-                  <a:latin typeface="Sigmar One"/>
+                  <a:latin typeface="Sigmar One" panose="00000500000000000000"/>
                 </a:rPr>
                 <a:t>DEMO ỨNG DỤNG</a:t>
               </a:r>
+              <a:endParaRPr lang="en-US" sz="8500">
+                <a:solidFill>
+                  <a:srgbClr val="FFFFFF"/>
+                </a:solidFill>
+                <a:latin typeface="Sigmar One" panose="00000500000000000000"/>
+              </a:endParaRPr>
             </a:p>
           </p:txBody>
         </p:sp>
@@ -4191,7 +4080,7 @@
           <p:spPr>
             <a:xfrm>
               <a:off x="0" y="1960121"/>
-              <a:ext cx="20425263" cy="555615"/>
+              <a:ext cx="20425263" cy="597747"/>
             </a:xfrm>
             <a:prstGeom prst="rect">
               <a:avLst/>
@@ -4211,15 +4100,12 @@
                   <a:spcPct val="0"/>
                 </a:spcBef>
               </a:pPr>
-              <a:r>
-                <a:rPr lang="en-US" sz="2500">
-                  <a:solidFill>
-                    <a:srgbClr val="57FFFF"/>
-                  </a:solidFill>
-                  <a:latin typeface="Montserrat Bold"/>
-                </a:rPr>
-                <a:t>Bắt đầu nào.</a:t>
-              </a:r>
+              <a:endParaRPr lang="en-US" sz="2500">
+                <a:solidFill>
+                  <a:srgbClr val="57FFFF"/>
+                </a:solidFill>
+                <a:latin typeface="Montserrat Bold" panose="00000600000000000000"/>
+              </a:endParaRPr>
             </a:p>
           </p:txBody>
         </p:sp>
@@ -4591,10 +4477,16 @@
                   <a:solidFill>
                     <a:srgbClr val="101010"/>
                   </a:solidFill>
-                  <a:latin typeface="Montserrat Bold"/>
+                  <a:latin typeface="Montserrat Bold" panose="00000600000000000000"/>
                 </a:rPr>
                 <a:t>spotify</a:t>
               </a:r>
+              <a:endParaRPr lang="en-US" sz="2400">
+                <a:solidFill>
+                  <a:srgbClr val="101010"/>
+                </a:solidFill>
+                <a:latin typeface="Montserrat Bold" panose="00000600000000000000"/>
+              </a:endParaRPr>
             </a:p>
           </p:txBody>
         </p:sp>
@@ -4976,13 +4868,13 @@
             <p:nvPr/>
           </p:nvPicPr>
           <p:blipFill>
-            <a:blip r:embed="rId2" cstate="print">
+            <a:blip r:embed="rId1" cstate="print">
               <a:extLst>
                 <a:ext uri="{28A0092B-C50C-407E-A947-70E740481C1C}">
                   <a14:useLocalDpi xmlns:a14="http://schemas.microsoft.com/office/drawing/2010/main" val="0"/>
                 </a:ext>
                 <a:ext uri="{96DAC541-7B7A-43D3-8B79-37D633B846F1}">
-                  <asvg:svgBlip xmlns:asvg="http://schemas.microsoft.com/office/drawing/2016/SVG/main" r:embed="rId3"/>
+                  <asvg:svgBlip xmlns:asvg="http://schemas.microsoft.com/office/drawing/2016/SVG/main" r:embed="rId2"/>
                 </a:ext>
               </a:extLst>
             </a:blip>
@@ -5157,13 +5049,13 @@
             <p:nvPr/>
           </p:nvPicPr>
           <p:blipFill>
-            <a:blip r:embed="rId4" cstate="print">
+            <a:blip r:embed="rId3" cstate="print">
               <a:extLst>
                 <a:ext uri="{28A0092B-C50C-407E-A947-70E740481C1C}">
                   <a14:useLocalDpi xmlns:a14="http://schemas.microsoft.com/office/drawing/2010/main" val="0"/>
                 </a:ext>
                 <a:ext uri="{96DAC541-7B7A-43D3-8B79-37D633B846F1}">
-                  <asvg:svgBlip xmlns:asvg="http://schemas.microsoft.com/office/drawing/2016/SVG/main" r:embed="rId5"/>
+                  <asvg:svgBlip xmlns:asvg="http://schemas.microsoft.com/office/drawing/2016/SVG/main" r:embed="rId4"/>
                 </a:ext>
               </a:extLst>
             </a:blip>
@@ -5192,7 +5084,7 @@
           <p:nvPr/>
         </p:nvPicPr>
         <p:blipFill>
-          <a:blip r:embed="rId6"/>
+          <a:blip r:embed="rId5"/>
           <a:srcRect/>
           <a:stretch>
             <a:fillRect/>
@@ -5245,18 +5137,24 @@
             <a:p>
               <a:pPr>
                 <a:lnSpc>
-                  <a:spcPts val="6951"/>
+                  <a:spcPts val="6950"/>
                 </a:lnSpc>
               </a:pPr>
               <a:r>
-                <a:rPr lang="en-US" sz="6319">
+                <a:rPr lang="en-US" sz="6320">
                   <a:solidFill>
                     <a:srgbClr val="FFFFFF"/>
                   </a:solidFill>
-                  <a:latin typeface="Sigmar One"/>
+                  <a:latin typeface="Sigmar One" panose="00000500000000000000"/>
                 </a:rPr>
                 <a:t>VẤN ĐỀ</a:t>
               </a:r>
+              <a:endParaRPr lang="en-US" sz="6320">
+                <a:solidFill>
+                  <a:srgbClr val="FFFFFF"/>
+                </a:solidFill>
+                <a:latin typeface="Sigmar One" panose="00000500000000000000"/>
+              </a:endParaRPr>
             </a:p>
           </p:txBody>
         </p:sp>
@@ -5283,90 +5181,13 @@
             <a:p>
               <a:pPr marL="0" lvl="0" indent="0">
                 <a:lnSpc>
-                  <a:spcPts val="2863"/>
+                  <a:spcPts val="2865"/>
                 </a:lnSpc>
               </a:pPr>
-              <a:endParaRPr/>
             </a:p>
           </p:txBody>
         </p:sp>
       </p:grpSp>
-      <p:sp>
-        <p:nvSpPr>
-          <p:cNvPr id="28" name="TextBox 28"/>
-          <p:cNvSpPr txBox="1"/>
-          <p:nvPr/>
-        </p:nvSpPr>
-        <p:spPr>
-          <a:xfrm>
-            <a:off x="12904300" y="1282914"/>
-            <a:ext cx="3933043" cy="352425"/>
-          </a:xfrm>
-          <a:prstGeom prst="rect">
-            <a:avLst/>
-          </a:prstGeom>
-        </p:spPr>
-        <p:txBody>
-          <a:bodyPr lIns="0" tIns="0" rIns="0" bIns="0" rtlCol="0" anchor="t">
-            <a:spAutoFit/>
-          </a:bodyPr>
-          <a:lstStyle/>
-          <a:p>
-            <a:pPr marL="0" lvl="0" indent="0" algn="r">
-              <a:lnSpc>
-                <a:spcPts val="2879"/>
-              </a:lnSpc>
-            </a:pPr>
-            <a:r>
-              <a:rPr lang="en-US" sz="2400">
-                <a:solidFill>
-                  <a:srgbClr val="FFFFFF"/>
-                </a:solidFill>
-                <a:latin typeface="Montserrat"/>
-              </a:rPr>
-              <a:t>Nhóm 10</a:t>
-            </a:r>
-          </a:p>
-        </p:txBody>
-      </p:sp>
-      <p:sp>
-        <p:nvSpPr>
-          <p:cNvPr id="29" name="TextBox 29"/>
-          <p:cNvSpPr txBox="1"/>
-          <p:nvPr/>
-        </p:nvSpPr>
-        <p:spPr>
-          <a:xfrm>
-            <a:off x="1447906" y="1282914"/>
-            <a:ext cx="4849532" cy="352425"/>
-          </a:xfrm>
-          <a:prstGeom prst="rect">
-            <a:avLst/>
-          </a:prstGeom>
-        </p:spPr>
-        <p:txBody>
-          <a:bodyPr lIns="0" tIns="0" rIns="0" bIns="0" rtlCol="0" anchor="t">
-            <a:spAutoFit/>
-          </a:bodyPr>
-          <a:lstStyle/>
-          <a:p>
-            <a:pPr marL="0" lvl="0" indent="0">
-              <a:lnSpc>
-                <a:spcPts val="2879"/>
-              </a:lnSpc>
-            </a:pPr>
-            <a:r>
-              <a:rPr lang="en-US" sz="2400">
-                <a:solidFill>
-                  <a:srgbClr val="FFFFFF"/>
-                </a:solidFill>
-                <a:latin typeface="Montserrat"/>
-              </a:rPr>
-              <a:t>Nhập môn khoa học dữ liệu</a:t>
-            </a:r>
-          </a:p>
-        </p:txBody>
-      </p:sp>
       <p:sp>
         <p:nvSpPr>
           <p:cNvPr id="30" name="TextBox 30"/>
@@ -5392,7 +5213,7 @@
               <a:lnSpc>
                 <a:spcPts val="4200"/>
               </a:lnSpc>
-              <a:buFont typeface="Arial"/>
+              <a:buFont typeface="Arial" panose="020B0604020202020204"/>
               <a:buChar char="•"/>
             </a:pPr>
             <a:r>
@@ -5400,10 +5221,16 @@
                 <a:solidFill>
                   <a:srgbClr val="FFFFFF"/>
                 </a:solidFill>
-                <a:latin typeface="Montserrat"/>
+                <a:latin typeface="Montserrat" panose="00000500000000000000"/>
               </a:rPr>
               <a:t>Không có từ khóa để tìm kiếm </a:t>
             </a:r>
+            <a:endParaRPr lang="en-US" sz="3000">
+              <a:solidFill>
+                <a:srgbClr val="FFFFFF"/>
+              </a:solidFill>
+              <a:latin typeface="Montserrat" panose="00000500000000000000"/>
+            </a:endParaRPr>
           </a:p>
         </p:txBody>
       </p:sp>
@@ -5435,7 +5262,7 @@
               <a:spcBef>
                 <a:spcPct val="0"/>
               </a:spcBef>
-              <a:buFont typeface="Arial"/>
+              <a:buFont typeface="Arial" panose="020B0604020202020204"/>
               <a:buChar char="•"/>
             </a:pPr>
             <a:r>
@@ -5443,70 +5270,16 @@
                 <a:solidFill>
                   <a:srgbClr val="FFFFFF"/>
                 </a:solidFill>
-                <a:latin typeface="Montserrat"/>
+                <a:latin typeface="Montserrat" panose="00000500000000000000"/>
               </a:rPr>
               <a:t> Không có công cụ để tìm kiếm</a:t>
             </a:r>
-          </a:p>
-        </p:txBody>
-      </p:sp>
-      <p:sp>
-        <p:nvSpPr>
-          <p:cNvPr id="32" name="TextBox 32"/>
-          <p:cNvSpPr txBox="1"/>
-          <p:nvPr/>
-        </p:nvSpPr>
-        <p:spPr>
-          <a:xfrm>
-            <a:off x="5362587" y="8905960"/>
-            <a:ext cx="5634633" cy="714205"/>
-          </a:xfrm>
-          <a:prstGeom prst="rect">
-            <a:avLst/>
-          </a:prstGeom>
-        </p:spPr>
-        <p:txBody>
-          <a:bodyPr lIns="0" tIns="0" rIns="0" bIns="0" rtlCol="0" anchor="t">
-            <a:spAutoFit/>
-          </a:bodyPr>
-          <a:lstStyle/>
-          <a:p>
-            <a:pPr algn="ctr">
-              <a:lnSpc>
-                <a:spcPts val="2879"/>
-              </a:lnSpc>
-              <a:spcBef>
-                <a:spcPct val="0"/>
-              </a:spcBef>
-            </a:pPr>
-            <a:r>
-              <a:rPr lang="en-US" sz="2400">
-                <a:solidFill>
-                  <a:srgbClr val="FFFFFF"/>
-                </a:solidFill>
-                <a:latin typeface="Montserrat"/>
-              </a:rPr>
-              <a:t>NGUYỄN QUANG HUY - B19DCCN314</a:t>
-            </a:r>
-          </a:p>
-          <a:p>
-            <a:pPr algn="ctr">
-              <a:lnSpc>
-                <a:spcPts val="2879"/>
-              </a:lnSpc>
-              <a:spcBef>
-                <a:spcPct val="0"/>
-              </a:spcBef>
-            </a:pPr>
-            <a:r>
-              <a:rPr lang="en-US" sz="2400">
-                <a:solidFill>
-                  <a:srgbClr val="FFFFFF"/>
-                </a:solidFill>
-                <a:latin typeface="Montserrat"/>
-              </a:rPr>
-              <a:t>NGUYỄN CÔNG HẬU - B19DCCN229</a:t>
-            </a:r>
+            <a:endParaRPr lang="en-US" sz="3000">
+              <a:solidFill>
+                <a:srgbClr val="FFFFFF"/>
+              </a:solidFill>
+              <a:latin typeface="Montserrat" panose="00000500000000000000"/>
+            </a:endParaRPr>
           </a:p>
         </p:txBody>
       </p:sp>
@@ -5552,7 +5325,7 @@
         <p:spPr>
           <a:xfrm>
             <a:off x="13326257" y="1038225"/>
-            <a:ext cx="3933043" cy="352425"/>
+            <a:ext cx="3933043" cy="368935"/>
           </a:xfrm>
           <a:prstGeom prst="rect">
             <a:avLst/>
@@ -5566,18 +5339,15 @@
           <a:p>
             <a:pPr marL="0" lvl="0" indent="0" algn="r">
               <a:lnSpc>
-                <a:spcPts val="2879"/>
+                <a:spcPts val="2880"/>
               </a:lnSpc>
             </a:pPr>
-            <a:r>
-              <a:rPr lang="en-US" sz="2400">
-                <a:solidFill>
-                  <a:srgbClr val="FFFFFF"/>
-                </a:solidFill>
-                <a:latin typeface="Montserrat"/>
-              </a:rPr>
-              <a:t>Nhóm 10</a:t>
-            </a:r>
+            <a:endParaRPr lang="en-US" sz="2400">
+              <a:solidFill>
+                <a:srgbClr val="FFFFFF"/>
+              </a:solidFill>
+              <a:latin typeface="Montserrat" panose="00000500000000000000"/>
+            </a:endParaRPr>
           </a:p>
         </p:txBody>
       </p:sp>
@@ -5604,7 +5374,7 @@
           <a:p>
             <a:pPr marL="0" lvl="0" indent="0">
               <a:lnSpc>
-                <a:spcPts val="2879"/>
+                <a:spcPts val="2880"/>
               </a:lnSpc>
             </a:pPr>
             <a:r>
@@ -5612,10 +5382,16 @@
                 <a:solidFill>
                   <a:srgbClr val="FFFFFF"/>
                 </a:solidFill>
-                <a:latin typeface="Montserrat"/>
+                <a:latin typeface="Montserrat" panose="00000500000000000000"/>
               </a:rPr>
               <a:t>Nhập môn khoa học dữ liệu</a:t>
             </a:r>
+            <a:endParaRPr lang="en-US" sz="2400">
+              <a:solidFill>
+                <a:srgbClr val="FFFFFF"/>
+              </a:solidFill>
+              <a:latin typeface="Montserrat" panose="00000500000000000000"/>
+            </a:endParaRPr>
           </a:p>
         </p:txBody>
       </p:sp>
@@ -5654,6 +5430,12 @@
               </a:rPr>
               <a:t>LUỒNG HOẠT ĐỘNG</a:t>
             </a:r>
+            <a:endParaRPr lang="en-US" sz="7500">
+              <a:solidFill>
+                <a:srgbClr val="FFFFFF"/>
+              </a:solidFill>
+              <a:latin typeface="Sigmar One Bold"/>
+            </a:endParaRPr>
           </a:p>
         </p:txBody>
       </p:sp>
@@ -5826,14 +5608,14 @@
             <a:p>
               <a:pPr marL="0" lvl="0" indent="0" algn="ctr">
                 <a:lnSpc>
-                  <a:spcPts val="2612"/>
+                  <a:spcPts val="2610"/>
                 </a:lnSpc>
                 <a:spcBef>
                   <a:spcPct val="0"/>
                 </a:spcBef>
               </a:pPr>
               <a:r>
-                <a:rPr lang="en-US" sz="2721" u="none">
+                <a:rPr lang="en-US" sz="2720" u="none">
                   <a:solidFill>
                     <a:srgbClr val="FFFFFF"/>
                   </a:solidFill>
@@ -5841,6 +5623,12 @@
                 </a:rPr>
                 <a:t>1</a:t>
               </a:r>
+              <a:endParaRPr lang="en-US" sz="2720" u="none">
+                <a:solidFill>
+                  <a:srgbClr val="FFFFFF"/>
+                </a:solidFill>
+                <a:latin typeface="Sigmar One Bold"/>
+              </a:endParaRPr>
             </a:p>
           </p:txBody>
         </p:sp>
@@ -5879,10 +5667,16 @@
                 <a:solidFill>
                   <a:srgbClr val="FFFFFF"/>
                 </a:solidFill>
-                <a:latin typeface="Montserrat"/>
+                <a:latin typeface="Montserrat" panose="00000500000000000000"/>
               </a:rPr>
               <a:t>Trích xuất và làm sạch, chuyển đổi dữ liệu</a:t>
             </a:r>
+            <a:endParaRPr lang="en-US" sz="2100">
+              <a:solidFill>
+                <a:srgbClr val="FFFFFF"/>
+              </a:solidFill>
+              <a:latin typeface="Montserrat" panose="00000500000000000000"/>
+            </a:endParaRPr>
           </a:p>
         </p:txBody>
       </p:sp>
@@ -6055,14 +5849,14 @@
             <a:p>
               <a:pPr marL="0" lvl="0" indent="0" algn="ctr">
                 <a:lnSpc>
-                  <a:spcPts val="2612"/>
+                  <a:spcPts val="2610"/>
                 </a:lnSpc>
                 <a:spcBef>
                   <a:spcPct val="0"/>
                 </a:spcBef>
               </a:pPr>
               <a:r>
-                <a:rPr lang="en-US" sz="2721">
+                <a:rPr lang="en-US" sz="2720">
                   <a:solidFill>
                     <a:srgbClr val="FFFFFF"/>
                   </a:solidFill>
@@ -6070,6 +5864,12 @@
                 </a:rPr>
                 <a:t>2</a:t>
               </a:r>
+              <a:endParaRPr lang="en-US" sz="2720">
+                <a:solidFill>
+                  <a:srgbClr val="FFFFFF"/>
+                </a:solidFill>
+                <a:latin typeface="Sigmar One Bold"/>
+              </a:endParaRPr>
             </a:p>
           </p:txBody>
         </p:sp>
@@ -6108,10 +5908,16 @@
                 <a:solidFill>
                   <a:srgbClr val="FFFFFF"/>
                 </a:solidFill>
-                <a:latin typeface="Montserrat"/>
+                <a:latin typeface="Montserrat" panose="00000500000000000000"/>
               </a:rPr>
               <a:t>Xử lý và trích đặc trưng trên tập dữ liệu</a:t>
             </a:r>
+            <a:endParaRPr lang="en-US" sz="2100">
+              <a:solidFill>
+                <a:srgbClr val="FFFFFF"/>
+              </a:solidFill>
+              <a:latin typeface="Montserrat" panose="00000500000000000000"/>
+            </a:endParaRPr>
           </a:p>
         </p:txBody>
       </p:sp>
@@ -6284,14 +6090,14 @@
             <a:p>
               <a:pPr marL="0" lvl="0" indent="0" algn="ctr">
                 <a:lnSpc>
-                  <a:spcPts val="2612"/>
+                  <a:spcPts val="2610"/>
                 </a:lnSpc>
                 <a:spcBef>
                   <a:spcPct val="0"/>
                 </a:spcBef>
               </a:pPr>
               <a:r>
-                <a:rPr lang="en-US" sz="2721">
+                <a:rPr lang="en-US" sz="2720">
                   <a:solidFill>
                     <a:srgbClr val="FFFFFF"/>
                   </a:solidFill>
@@ -6299,6 +6105,12 @@
                 </a:rPr>
                 <a:t>3</a:t>
               </a:r>
+              <a:endParaRPr lang="en-US" sz="2720">
+                <a:solidFill>
+                  <a:srgbClr val="FFFFFF"/>
+                </a:solidFill>
+                <a:latin typeface="Sigmar One Bold"/>
+              </a:endParaRPr>
             </a:p>
           </p:txBody>
         </p:sp>
@@ -6337,10 +6149,16 @@
                 <a:solidFill>
                   <a:srgbClr val="FFFFFF"/>
                 </a:solidFill>
-                <a:latin typeface="Montserrat"/>
+                <a:latin typeface="Montserrat" panose="00000500000000000000"/>
               </a:rPr>
               <a:t>Xây dưng hệ khuyến nghị</a:t>
             </a:r>
+            <a:endParaRPr lang="en-US" sz="2100">
+              <a:solidFill>
+                <a:srgbClr val="FFFFFF"/>
+              </a:solidFill>
+              <a:latin typeface="Montserrat" panose="00000500000000000000"/>
+            </a:endParaRPr>
           </a:p>
         </p:txBody>
       </p:sp>
@@ -6513,14 +6331,14 @@
             <a:p>
               <a:pPr marL="0" lvl="0" indent="0" algn="ctr">
                 <a:lnSpc>
-                  <a:spcPts val="2612"/>
+                  <a:spcPts val="2610"/>
                 </a:lnSpc>
                 <a:spcBef>
                   <a:spcPct val="0"/>
                 </a:spcBef>
               </a:pPr>
               <a:r>
-                <a:rPr lang="en-US" sz="2721">
+                <a:rPr lang="en-US" sz="2720">
                   <a:solidFill>
                     <a:srgbClr val="FFFFFF"/>
                   </a:solidFill>
@@ -6528,6 +6346,12 @@
                 </a:rPr>
                 <a:t>4</a:t>
               </a:r>
+              <a:endParaRPr lang="en-US" sz="2720">
+                <a:solidFill>
+                  <a:srgbClr val="FFFFFF"/>
+                </a:solidFill>
+                <a:latin typeface="Sigmar One Bold"/>
+              </a:endParaRPr>
             </a:p>
           </p:txBody>
         </p:sp>
@@ -6566,10 +6390,16 @@
                 <a:solidFill>
                   <a:srgbClr val="FFFFFF"/>
                 </a:solidFill>
-                <a:latin typeface="Montserrat"/>
+                <a:latin typeface="Montserrat" panose="00000500000000000000"/>
               </a:rPr>
               <a:t>Triển khai hệ thống trên flask</a:t>
             </a:r>
+            <a:endParaRPr lang="en-US" sz="2100">
+              <a:solidFill>
+                <a:srgbClr val="FFFFFF"/>
+              </a:solidFill>
+              <a:latin typeface="Montserrat" panose="00000500000000000000"/>
+            </a:endParaRPr>
           </a:p>
         </p:txBody>
       </p:sp>
@@ -6940,10 +6770,16 @@
                   <a:solidFill>
                     <a:srgbClr val="101010"/>
                   </a:solidFill>
-                  <a:latin typeface="Montserrat Bold"/>
+                  <a:latin typeface="Montserrat Bold" panose="00000600000000000000"/>
                 </a:rPr>
                 <a:t>1000_data_song.json</a:t>
               </a:r>
+              <a:endParaRPr lang="en-US" sz="2400">
+                <a:solidFill>
+                  <a:srgbClr val="101010"/>
+                </a:solidFill>
+                <a:latin typeface="Montserrat Bold" panose="00000600000000000000"/>
+              </a:endParaRPr>
             </a:p>
           </p:txBody>
         </p:sp>
@@ -7179,7 +7015,7 @@
           <p:nvPr/>
         </p:nvPicPr>
         <p:blipFill>
-          <a:blip r:embed="rId2"/>
+          <a:blip r:embed="rId1"/>
           <a:srcRect/>
           <a:stretch>
             <a:fillRect/>
@@ -7364,14 +7200,14 @@
             <a:p>
               <a:pPr marL="0" lvl="0" indent="0" algn="ctr">
                 <a:lnSpc>
-                  <a:spcPts val="2612"/>
+                  <a:spcPts val="2610"/>
                 </a:lnSpc>
                 <a:spcBef>
                   <a:spcPct val="0"/>
                 </a:spcBef>
               </a:pPr>
               <a:r>
-                <a:rPr lang="en-US" sz="2721" u="none">
+                <a:rPr lang="en-US" sz="2720" u="none">
                   <a:solidFill>
                     <a:srgbClr val="FFFFFF"/>
                   </a:solidFill>
@@ -7379,6 +7215,12 @@
                 </a:rPr>
                 <a:t>1</a:t>
               </a:r>
+              <a:endParaRPr lang="en-US" sz="2720" u="none">
+                <a:solidFill>
+                  <a:srgbClr val="FFFFFF"/>
+                </a:solidFill>
+                <a:latin typeface="Sigmar One Bold"/>
+              </a:endParaRPr>
             </a:p>
           </p:txBody>
         </p:sp>
@@ -7392,7 +7234,7 @@
           <p:nvPr/>
         </p:nvPicPr>
         <p:blipFill>
-          <a:blip r:embed="rId3"/>
+          <a:blip r:embed="rId2"/>
           <a:srcRect/>
           <a:stretch>
             <a:fillRect/>
@@ -7425,69 +7267,15 @@
             <a:tbl>
               <a:tblPr/>
               <a:tblGrid>
-                <a:gridCol w="1484414">
-                  <a:extLst>
-                    <a:ext uri="{9D8B030D-6E8A-4147-A177-3AD203B41FA5}">
-                      <a16:colId xmlns:a16="http://schemas.microsoft.com/office/drawing/2014/main" val="20000"/>
-                    </a:ext>
-                  </a:extLst>
-                </a:gridCol>
-                <a:gridCol w="1484414">
-                  <a:extLst>
-                    <a:ext uri="{9D8B030D-6E8A-4147-A177-3AD203B41FA5}">
-                      <a16:colId xmlns:a16="http://schemas.microsoft.com/office/drawing/2014/main" val="20001"/>
-                    </a:ext>
-                  </a:extLst>
-                </a:gridCol>
-                <a:gridCol w="1484414">
-                  <a:extLst>
-                    <a:ext uri="{9D8B030D-6E8A-4147-A177-3AD203B41FA5}">
-                      <a16:colId xmlns:a16="http://schemas.microsoft.com/office/drawing/2014/main" val="20002"/>
-                    </a:ext>
-                  </a:extLst>
-                </a:gridCol>
-                <a:gridCol w="1484414">
-                  <a:extLst>
-                    <a:ext uri="{9D8B030D-6E8A-4147-A177-3AD203B41FA5}">
-                      <a16:colId xmlns:a16="http://schemas.microsoft.com/office/drawing/2014/main" val="20003"/>
-                    </a:ext>
-                  </a:extLst>
-                </a:gridCol>
-                <a:gridCol w="1484414">
-                  <a:extLst>
-                    <a:ext uri="{9D8B030D-6E8A-4147-A177-3AD203B41FA5}">
-                      <a16:colId xmlns:a16="http://schemas.microsoft.com/office/drawing/2014/main" val="20004"/>
-                    </a:ext>
-                  </a:extLst>
-                </a:gridCol>
-                <a:gridCol w="1484414">
-                  <a:extLst>
-                    <a:ext uri="{9D8B030D-6E8A-4147-A177-3AD203B41FA5}">
-                      <a16:colId xmlns:a16="http://schemas.microsoft.com/office/drawing/2014/main" val="20005"/>
-                    </a:ext>
-                  </a:extLst>
-                </a:gridCol>
-                <a:gridCol w="1484414">
-                  <a:extLst>
-                    <a:ext uri="{9D8B030D-6E8A-4147-A177-3AD203B41FA5}">
-                      <a16:colId xmlns:a16="http://schemas.microsoft.com/office/drawing/2014/main" val="20006"/>
-                    </a:ext>
-                  </a:extLst>
-                </a:gridCol>
-                <a:gridCol w="1484414">
-                  <a:extLst>
-                    <a:ext uri="{9D8B030D-6E8A-4147-A177-3AD203B41FA5}">
-                      <a16:colId xmlns:a16="http://schemas.microsoft.com/office/drawing/2014/main" val="20007"/>
-                    </a:ext>
-                  </a:extLst>
-                </a:gridCol>
-                <a:gridCol w="1484414">
-                  <a:extLst>
-                    <a:ext uri="{9D8B030D-6E8A-4147-A177-3AD203B41FA5}">
-                      <a16:colId xmlns:a16="http://schemas.microsoft.com/office/drawing/2014/main" val="20008"/>
-                    </a:ext>
-                  </a:extLst>
-                </a:gridCol>
+                <a:gridCol w="1484414"/>
+                <a:gridCol w="1484414"/>
+                <a:gridCol w="1484414"/>
+                <a:gridCol w="1484414"/>
+                <a:gridCol w="1484414"/>
+                <a:gridCol w="1484414"/>
+                <a:gridCol w="1484414"/>
+                <a:gridCol w="1484414"/>
+                <a:gridCol w="1484414"/>
               </a:tblGrid>
               <a:tr h="660009">
                 <a:tc>
@@ -7503,7 +7291,7 @@
                           <a:solidFill>
                             <a:srgbClr val="FFFFFF"/>
                           </a:solidFill>
-                          <a:latin typeface="Montserrat"/>
+                          <a:latin typeface="Montserrat" panose="00000500000000000000"/>
                         </a:rPr>
                         <a:t>'artist_name'</a:t>
                       </a:r>
@@ -7562,7 +7350,7 @@
                           <a:solidFill>
                             <a:srgbClr val="FFFFFF"/>
                           </a:solidFill>
-                          <a:latin typeface="Montserrat"/>
+                          <a:latin typeface="Montserrat" panose="00000500000000000000"/>
                         </a:rPr>
                         <a:t>'id'</a:t>
                       </a:r>
@@ -7621,7 +7409,7 @@
                           <a:solidFill>
                             <a:srgbClr val="FFFFFF"/>
                           </a:solidFill>
-                          <a:latin typeface="Montserrat"/>
+                          <a:latin typeface="Montserrat" panose="00000500000000000000"/>
                         </a:rPr>
                         <a:t>'track_name'</a:t>
                       </a:r>
@@ -7680,7 +7468,7 @@
                           <a:solidFill>
                             <a:srgbClr val="FFFFFF"/>
                           </a:solidFill>
-                          <a:latin typeface="Montserrat"/>
+                          <a:latin typeface="Montserrat" panose="00000500000000000000"/>
                         </a:rPr>
                         <a:t>'danceability'</a:t>
                       </a:r>
@@ -7739,7 +7527,7 @@
                           <a:solidFill>
                             <a:srgbClr val="FFFFFF"/>
                           </a:solidFill>
-                          <a:latin typeface="Montserrat"/>
+                          <a:latin typeface="Montserrat" panose="00000500000000000000"/>
                         </a:rPr>
                         <a:t>'energy'</a:t>
                       </a:r>
@@ -7798,7 +7586,7 @@
                           <a:solidFill>
                             <a:srgbClr val="FFFFFF"/>
                           </a:solidFill>
-                          <a:latin typeface="Montserrat"/>
+                          <a:latin typeface="Montserrat" panose="00000500000000000000"/>
                         </a:rPr>
                         <a:t>'key'</a:t>
                       </a:r>
@@ -7857,7 +7645,7 @@
                           <a:solidFill>
                             <a:srgbClr val="FFFFFF"/>
                           </a:solidFill>
-                          <a:latin typeface="Montserrat"/>
+                          <a:latin typeface="Montserrat" panose="00000500000000000000"/>
                         </a:rPr>
                         <a:t>'loudness'</a:t>
                       </a:r>
@@ -7916,7 +7704,7 @@
                           <a:solidFill>
                             <a:srgbClr val="FFFFFF"/>
                           </a:solidFill>
-                          <a:latin typeface="Montserrat"/>
+                          <a:latin typeface="Montserrat" panose="00000500000000000000"/>
                         </a:rPr>
                         <a:t>'mode'</a:t>
                       </a:r>
@@ -8009,11 +7797,6 @@
                     </a:lnB>
                   </a:tcPr>
                 </a:tc>
-                <a:extLst>
-                  <a:ext uri="{0D108BD9-81ED-4DB2-BD59-A6C34878D82A}">
-                    <a16:rowId xmlns:a16="http://schemas.microsoft.com/office/drawing/2014/main" val="10000"/>
-                  </a:ext>
-                </a:extLst>
               </a:tr>
               <a:tr h="872221">
                 <a:tc>
@@ -8029,7 +7812,7 @@
                           <a:solidFill>
                             <a:srgbClr val="FFFFFF"/>
                           </a:solidFill>
-                          <a:latin typeface="Montserrat"/>
+                          <a:latin typeface="Montserrat" panose="00000500000000000000"/>
                         </a:rPr>
                         <a:t>'speechiness'</a:t>
                       </a:r>
@@ -8088,7 +7871,7 @@
                           <a:solidFill>
                             <a:srgbClr val="FFFFFF"/>
                           </a:solidFill>
-                          <a:latin typeface="Montserrat"/>
+                          <a:latin typeface="Montserrat" panose="00000500000000000000"/>
                         </a:rPr>
                         <a:t>'acousticness'</a:t>
                       </a:r>
@@ -8147,7 +7930,7 @@
                           <a:solidFill>
                             <a:srgbClr val="FFFFFF"/>
                           </a:solidFill>
-                          <a:latin typeface="Montserrat"/>
+                          <a:latin typeface="Montserrat" panose="00000500000000000000"/>
                         </a:rPr>
                         <a:t>'instrumentalness'</a:t>
                       </a:r>
@@ -8206,7 +7989,7 @@
                           <a:solidFill>
                             <a:srgbClr val="FFFFFF"/>
                           </a:solidFill>
-                          <a:latin typeface="Montserrat"/>
+                          <a:latin typeface="Montserrat" panose="00000500000000000000"/>
                         </a:rPr>
                         <a:t>'liveness'</a:t>
                       </a:r>
@@ -8265,7 +8048,7 @@
                           <a:solidFill>
                             <a:srgbClr val="FFFFFF"/>
                           </a:solidFill>
-                          <a:latin typeface="Montserrat"/>
+                          <a:latin typeface="Montserrat" panose="00000500000000000000"/>
                         </a:rPr>
                         <a:t>'valence'</a:t>
                       </a:r>
@@ -8324,7 +8107,7 @@
                           <a:solidFill>
                             <a:srgbClr val="FFFFFF"/>
                           </a:solidFill>
-                          <a:latin typeface="Montserrat"/>
+                          <a:latin typeface="Montserrat" panose="00000500000000000000"/>
                         </a:rPr>
                         <a:t>'tempo'</a:t>
                       </a:r>
@@ -8383,7 +8166,7 @@
                           <a:solidFill>
                             <a:srgbClr val="FFFFFF"/>
                           </a:solidFill>
-                          <a:latin typeface="Montserrat"/>
+                          <a:latin typeface="Montserrat" panose="00000500000000000000"/>
                         </a:rPr>
                         <a:t>artist_pop</a:t>
                       </a:r>
@@ -8442,7 +8225,7 @@
                           <a:solidFill>
                             <a:srgbClr val="FFFFFF"/>
                           </a:solidFill>
-                          <a:latin typeface="Montserrat"/>
+                          <a:latin typeface="Montserrat" panose="00000500000000000000"/>
                         </a:rPr>
                         <a:t>genres</a:t>
                       </a:r>
@@ -8501,7 +8284,7 @@
                           <a:solidFill>
                             <a:srgbClr val="FFFFFF"/>
                           </a:solidFill>
-                          <a:latin typeface="Montserrat"/>
+                          <a:latin typeface="Montserrat" panose="00000500000000000000"/>
                         </a:rPr>
                         <a:t>track_pop</a:t>
                       </a:r>
@@ -8547,11 +8330,6 @@
                     </a:lnB>
                   </a:tcPr>
                 </a:tc>
-                <a:extLst>
-                  <a:ext uri="{0D108BD9-81ED-4DB2-BD59-A6C34878D82A}">
-                    <a16:rowId xmlns:a16="http://schemas.microsoft.com/office/drawing/2014/main" val="10001"/>
-                  </a:ext>
-                </a:extLst>
               </a:tr>
             </a:tbl>
           </a:graphicData>
@@ -8584,7 +8362,7 @@
               </a:lnSpc>
             </a:pPr>
             <a:r>
-              <a:rPr lang="en-US" sz="5499">
+              <a:rPr lang="en-US" sz="5500">
                 <a:solidFill>
                   <a:srgbClr val="FFFFFF"/>
                 </a:solidFill>
@@ -8592,6 +8370,12 @@
               </a:rPr>
               <a:t>TẬP DỮ LIỆU</a:t>
             </a:r>
+            <a:endParaRPr lang="en-US" sz="5500">
+              <a:solidFill>
+                <a:srgbClr val="FFFFFF"/>
+              </a:solidFill>
+              <a:latin typeface="Sigmar One Bold"/>
+            </a:endParaRPr>
           </a:p>
         </p:txBody>
       </p:sp>
@@ -8629,10 +8413,16 @@
                 <a:solidFill>
                   <a:srgbClr val="FFFFFF"/>
                 </a:solidFill>
-                <a:latin typeface="Montserrat"/>
+                <a:latin typeface="Montserrat" panose="00000500000000000000"/>
               </a:rPr>
               <a:t>Trích xuất và làm sạch, chuyển đổi dữ liệu</a:t>
             </a:r>
+            <a:endParaRPr lang="en-US" sz="2100">
+              <a:solidFill>
+                <a:srgbClr val="FFFFFF"/>
+              </a:solidFill>
+              <a:latin typeface="Montserrat" panose="00000500000000000000"/>
+            </a:endParaRPr>
           </a:p>
         </p:txBody>
       </p:sp>
@@ -9003,10 +8793,16 @@
                   <a:solidFill>
                     <a:srgbClr val="101010"/>
                   </a:solidFill>
-                  <a:latin typeface="Montserrat Bold"/>
+                  <a:latin typeface="Montserrat Bold" panose="00000600000000000000"/>
                 </a:rPr>
                 <a:t>Metadata</a:t>
               </a:r>
+              <a:endParaRPr lang="en-US" sz="2400">
+                <a:solidFill>
+                  <a:srgbClr val="101010"/>
+                </a:solidFill>
+                <a:latin typeface="Montserrat Bold" panose="00000600000000000000"/>
+              </a:endParaRPr>
             </a:p>
           </p:txBody>
         </p:sp>
@@ -9402,14 +9198,14 @@
             <a:p>
               <a:pPr marL="0" lvl="0" indent="0" algn="ctr">
                 <a:lnSpc>
-                  <a:spcPts val="2612"/>
+                  <a:spcPts val="2610"/>
                 </a:lnSpc>
                 <a:spcBef>
                   <a:spcPct val="0"/>
                 </a:spcBef>
               </a:pPr>
               <a:r>
-                <a:rPr lang="en-US" sz="2721">
+                <a:rPr lang="en-US" sz="2720">
                   <a:solidFill>
                     <a:srgbClr val="FFFFFF"/>
                   </a:solidFill>
@@ -9417,6 +9213,12 @@
                 </a:rPr>
                 <a:t>2</a:t>
               </a:r>
+              <a:endParaRPr lang="en-US" sz="2720">
+                <a:solidFill>
+                  <a:srgbClr val="FFFFFF"/>
+                </a:solidFill>
+                <a:latin typeface="Sigmar One Bold"/>
+              </a:endParaRPr>
             </a:p>
           </p:txBody>
         </p:sp>
@@ -9430,7 +9232,7 @@
           <p:nvPr/>
         </p:nvPicPr>
         <p:blipFill>
-          <a:blip r:embed="rId2"/>
+          <a:blip r:embed="rId1"/>
           <a:srcRect/>
           <a:stretch>
             <a:fillRect/>
@@ -9455,7 +9257,7 @@
           <p:nvPr/>
         </p:nvPicPr>
         <p:blipFill>
-          <a:blip r:embed="rId3"/>
+          <a:blip r:embed="rId2"/>
           <a:srcRect/>
           <a:stretch>
             <a:fillRect/>
@@ -9480,7 +9282,7 @@
           <p:nvPr/>
         </p:nvPicPr>
         <p:blipFill>
-          <a:blip r:embed="rId4"/>
+          <a:blip r:embed="rId3"/>
           <a:srcRect/>
           <a:stretch>
             <a:fillRect/>
@@ -9527,10 +9329,16 @@
                 <a:solidFill>
                   <a:srgbClr val="FFFFFF"/>
                 </a:solidFill>
-                <a:latin typeface="Montserrat"/>
+                <a:latin typeface="Montserrat" panose="00000500000000000000"/>
               </a:rPr>
               <a:t> thể loại, độ phổ biến của bài hát </a:t>
             </a:r>
+            <a:endParaRPr lang="en-US" sz="1925">
+              <a:solidFill>
+                <a:srgbClr val="FFFFFF"/>
+              </a:solidFill>
+              <a:latin typeface="Montserrat" panose="00000500000000000000"/>
+            </a:endParaRPr>
           </a:p>
         </p:txBody>
       </p:sp>
@@ -9568,10 +9376,16 @@
                 <a:solidFill>
                   <a:srgbClr val="FFFFFF"/>
                 </a:solidFill>
-                <a:latin typeface="Montserrat"/>
+                <a:latin typeface="Montserrat" panose="00000500000000000000"/>
               </a:rPr>
               <a:t>Xử lý và trích đặc trưng trên tập dữ liệu</a:t>
             </a:r>
+            <a:endParaRPr lang="en-US" sz="2100">
+              <a:solidFill>
+                <a:srgbClr val="FFFFFF"/>
+              </a:solidFill>
+              <a:latin typeface="Montserrat" panose="00000500000000000000"/>
+            </a:endParaRPr>
           </a:p>
         </p:txBody>
       </p:sp>
@@ -9602,7 +9416,7 @@
               </a:lnSpc>
             </a:pPr>
             <a:r>
-              <a:rPr lang="en-US" sz="5499">
+              <a:rPr lang="en-US" sz="5500">
                 <a:solidFill>
                   <a:srgbClr val="FFFFFF"/>
                 </a:solidFill>
@@ -9610,6 +9424,12 @@
               </a:rPr>
               <a:t>TRÍCH XUẤT ĐẶC TRƯNG</a:t>
             </a:r>
+            <a:endParaRPr lang="en-US" sz="5500">
+              <a:solidFill>
+                <a:srgbClr val="FFFFFF"/>
+              </a:solidFill>
+              <a:latin typeface="Sigmar One Bold"/>
+            </a:endParaRPr>
           </a:p>
         </p:txBody>
       </p:sp>
@@ -9980,10 +9800,16 @@
                   <a:solidFill>
                     <a:srgbClr val="101010"/>
                   </a:solidFill>
-                  <a:latin typeface="Montserrat Bold"/>
+                  <a:latin typeface="Montserrat Bold" panose="00000600000000000000"/>
                 </a:rPr>
                 <a:t>Audio</a:t>
               </a:r>
+              <a:endParaRPr lang="en-US" sz="2400">
+                <a:solidFill>
+                  <a:srgbClr val="101010"/>
+                </a:solidFill>
+                <a:latin typeface="Montserrat Bold" panose="00000600000000000000"/>
+              </a:endParaRPr>
             </a:p>
           </p:txBody>
         </p:sp>
@@ -10379,14 +10205,14 @@
             <a:p>
               <a:pPr marL="0" lvl="0" indent="0" algn="ctr">
                 <a:lnSpc>
-                  <a:spcPts val="2612"/>
+                  <a:spcPts val="2610"/>
                 </a:lnSpc>
                 <a:spcBef>
                   <a:spcPct val="0"/>
                 </a:spcBef>
               </a:pPr>
               <a:r>
-                <a:rPr lang="en-US" sz="2721">
+                <a:rPr lang="en-US" sz="2720">
                   <a:solidFill>
                     <a:srgbClr val="FFFFFF"/>
                   </a:solidFill>
@@ -10394,6 +10220,12 @@
                 </a:rPr>
                 <a:t>2</a:t>
               </a:r>
+              <a:endParaRPr lang="en-US" sz="2720">
+                <a:solidFill>
+                  <a:srgbClr val="FFFFFF"/>
+                </a:solidFill>
+                <a:latin typeface="Sigmar One Bold"/>
+              </a:endParaRPr>
             </a:p>
           </p:txBody>
         </p:sp>
@@ -10407,7 +10239,7 @@
           <p:nvPr/>
         </p:nvPicPr>
         <p:blipFill>
-          <a:blip r:embed="rId2"/>
+          <a:blip r:embed="rId1"/>
           <a:srcRect/>
           <a:stretch>
             <a:fillRect/>
@@ -10432,7 +10264,7 @@
           <p:nvPr/>
         </p:nvPicPr>
         <p:blipFill>
-          <a:blip r:embed="rId3"/>
+          <a:blip r:embed="rId2"/>
           <a:srcRect/>
           <a:stretch>
             <a:fillRect/>
@@ -10457,7 +10289,7 @@
           <p:nvPr/>
         </p:nvPicPr>
         <p:blipFill>
-          <a:blip r:embed="rId4"/>
+          <a:blip r:embed="rId3"/>
           <a:srcRect/>
           <a:stretch>
             <a:fillRect/>
@@ -10494,11 +10326,11 @@
           </a:bodyPr>
           <a:lstStyle/>
           <a:p>
-            <a:pPr marL="415608" lvl="1" indent="-207804">
+            <a:pPr marL="415925" lvl="1" indent="-207645">
               <a:lnSpc>
                 <a:spcPts val="2695"/>
               </a:lnSpc>
-              <a:buFont typeface="Arial"/>
+              <a:buFont typeface="Arial" panose="020B0604020202020204"/>
               <a:buChar char="•"/>
             </a:pPr>
             <a:r>
@@ -10506,10 +10338,16 @@
                 <a:solidFill>
                   <a:srgbClr val="FFFFFF"/>
                 </a:solidFill>
-                <a:latin typeface="Montserrat"/>
+                <a:latin typeface="Montserrat" panose="00000500000000000000"/>
               </a:rPr>
               <a:t>Độ lớn, nhạc cụ, độ sống động, thời lượng </a:t>
             </a:r>
+            <a:endParaRPr lang="en-US" sz="1925">
+              <a:solidFill>
+                <a:srgbClr val="FFFFFF"/>
+              </a:solidFill>
+              <a:latin typeface="Montserrat" panose="00000500000000000000"/>
+            </a:endParaRPr>
           </a:p>
         </p:txBody>
       </p:sp>
@@ -10547,10 +10385,16 @@
                 <a:solidFill>
                   <a:srgbClr val="FFFFFF"/>
                 </a:solidFill>
-                <a:latin typeface="Montserrat"/>
+                <a:latin typeface="Montserrat" panose="00000500000000000000"/>
               </a:rPr>
               <a:t>Xử lý, làm sạch và trích đặc trưng trên tập dữ liệu</a:t>
             </a:r>
+            <a:endParaRPr lang="en-US" sz="2100">
+              <a:solidFill>
+                <a:srgbClr val="FFFFFF"/>
+              </a:solidFill>
+              <a:latin typeface="Montserrat" panose="00000500000000000000"/>
+            </a:endParaRPr>
           </a:p>
         </p:txBody>
       </p:sp>
@@ -10581,7 +10425,7 @@
               </a:lnSpc>
             </a:pPr>
             <a:r>
-              <a:rPr lang="en-US" sz="5499">
+              <a:rPr lang="en-US" sz="5500">
                 <a:solidFill>
                   <a:srgbClr val="FFFFFF"/>
                 </a:solidFill>
@@ -10589,6 +10433,12 @@
               </a:rPr>
               <a:t>TRÍCH XUẤT ĐẶC TRƯNG</a:t>
             </a:r>
+            <a:endParaRPr lang="en-US" sz="5500">
+              <a:solidFill>
+                <a:srgbClr val="FFFFFF"/>
+              </a:solidFill>
+              <a:latin typeface="Sigmar One Bold"/>
+            </a:endParaRPr>
           </a:p>
         </p:txBody>
       </p:sp>
@@ -10846,10 +10696,16 @@
                   <a:solidFill>
                     <a:srgbClr val="101010"/>
                   </a:solidFill>
-                  <a:latin typeface="Montserrat Bold"/>
+                  <a:latin typeface="Montserrat Bold" panose="00000600000000000000"/>
                 </a:rPr>
                 <a:t>Text</a:t>
               </a:r>
+              <a:endParaRPr lang="en-US" sz="2400">
+                <a:solidFill>
+                  <a:srgbClr val="101010"/>
+                </a:solidFill>
+                <a:latin typeface="Montserrat Bold" panose="00000600000000000000"/>
+              </a:endParaRPr>
             </a:p>
           </p:txBody>
         </p:sp>
@@ -11245,14 +11101,14 @@
             <a:p>
               <a:pPr marL="0" lvl="0" indent="0" algn="ctr">
                 <a:lnSpc>
-                  <a:spcPts val="2612"/>
+                  <a:spcPts val="2610"/>
                 </a:lnSpc>
                 <a:spcBef>
                   <a:spcPct val="0"/>
                 </a:spcBef>
               </a:pPr>
               <a:r>
-                <a:rPr lang="en-US" sz="2721">
+                <a:rPr lang="en-US" sz="2720">
                   <a:solidFill>
                     <a:srgbClr val="FFFFFF"/>
                   </a:solidFill>
@@ -11260,6 +11116,12 @@
                 </a:rPr>
                 <a:t>2</a:t>
               </a:r>
+              <a:endParaRPr lang="en-US" sz="2720">
+                <a:solidFill>
+                  <a:srgbClr val="FFFFFF"/>
+                </a:solidFill>
+                <a:latin typeface="Sigmar One Bold"/>
+              </a:endParaRPr>
             </a:p>
           </p:txBody>
         </p:sp>
@@ -11273,7 +11135,7 @@
           <p:nvPr/>
         </p:nvPicPr>
         <p:blipFill>
-          <a:blip r:embed="rId2"/>
+          <a:blip r:embed="rId1"/>
           <a:srcRect/>
           <a:stretch>
             <a:fillRect/>
@@ -11310,11 +11172,11 @@
           </a:bodyPr>
           <a:lstStyle/>
           <a:p>
-            <a:pPr marL="415608" lvl="1" indent="-207804">
+            <a:pPr marL="415925" lvl="1" indent="-207645">
               <a:lnSpc>
                 <a:spcPts val="2695"/>
               </a:lnSpc>
-              <a:buFont typeface="Arial"/>
+              <a:buFont typeface="Arial" panose="020B0604020202020204"/>
               <a:buChar char="•"/>
             </a:pPr>
             <a:r>
@@ -11322,10 +11184,16 @@
                 <a:solidFill>
                   <a:srgbClr val="FFFFFF"/>
                 </a:solidFill>
-                <a:latin typeface="Montserrat"/>
+                <a:latin typeface="Montserrat" panose="00000500000000000000"/>
               </a:rPr>
               <a:t>Tên bài hát</a:t>
             </a:r>
+            <a:endParaRPr lang="en-US" sz="1925">
+              <a:solidFill>
+                <a:srgbClr val="FFFFFF"/>
+              </a:solidFill>
+              <a:latin typeface="Montserrat" panose="00000500000000000000"/>
+            </a:endParaRPr>
           </a:p>
         </p:txBody>
       </p:sp>
@@ -11363,10 +11231,16 @@
                 <a:solidFill>
                   <a:srgbClr val="FFFFFF"/>
                 </a:solidFill>
-                <a:latin typeface="Montserrat"/>
+                <a:latin typeface="Montserrat" panose="00000500000000000000"/>
               </a:rPr>
               <a:t>Xử lý, làm sạch và trích đặc trưng trên tập dữ liệu</a:t>
             </a:r>
+            <a:endParaRPr lang="en-US" sz="2100">
+              <a:solidFill>
+                <a:srgbClr val="FFFFFF"/>
+              </a:solidFill>
+              <a:latin typeface="Montserrat" panose="00000500000000000000"/>
+            </a:endParaRPr>
           </a:p>
         </p:txBody>
       </p:sp>
@@ -11397,7 +11271,7 @@
               </a:lnSpc>
             </a:pPr>
             <a:r>
-              <a:rPr lang="en-US" sz="5499">
+              <a:rPr lang="en-US" sz="5500">
                 <a:solidFill>
                   <a:srgbClr val="FFFFFF"/>
                 </a:solidFill>
@@ -11405,6 +11279,12 @@
               </a:rPr>
               <a:t>TRÍCH XUẤT ĐẶC TRƯNG</a:t>
             </a:r>
+            <a:endParaRPr lang="en-US" sz="5500">
+              <a:solidFill>
+                <a:srgbClr val="FFFFFF"/>
+              </a:solidFill>
+              <a:latin typeface="Sigmar One Bold"/>
+            </a:endParaRPr>
           </a:p>
         </p:txBody>
       </p:sp>
@@ -11431,21 +11311,27 @@
           <a:p>
             <a:pPr>
               <a:lnSpc>
-                <a:spcPts val="2983"/>
+                <a:spcPts val="2985"/>
               </a:lnSpc>
               <a:spcBef>
                 <a:spcPct val="0"/>
               </a:spcBef>
             </a:pPr>
             <a:r>
-              <a:rPr lang="en-US" sz="2486">
+              <a:rPr lang="en-US" sz="2485">
                 <a:solidFill>
                   <a:srgbClr val="FFFFFF"/>
                 </a:solidFill>
-                <a:latin typeface="Montserrat"/>
+                <a:latin typeface="Montserrat" panose="00000500000000000000"/>
               </a:rPr>
               <a:t>Tính chủ quan xác định xem đầu vào văn bản là thông tin thực tế hay là ý kiến ​​cá nhân. Giá trị của nó nằm giữa [0,1] trong đó giá trị gần 0 biểu thị một phần thông tin thực tế và giá trị gần 1 biểu thị ý kiến ​​cá nhân.</a:t>
             </a:r>
+            <a:endParaRPr lang="en-US" sz="2485">
+              <a:solidFill>
+                <a:srgbClr val="FFFFFF"/>
+              </a:solidFill>
+              <a:latin typeface="Montserrat" panose="00000500000000000000"/>
+            </a:endParaRPr>
           </a:p>
         </p:txBody>
       </p:sp>
@@ -11472,7 +11358,7 @@
           <a:p>
             <a:pPr>
               <a:lnSpc>
-                <a:spcPts val="2879"/>
+                <a:spcPts val="2880"/>
               </a:lnSpc>
               <a:spcBef>
                 <a:spcPct val="0"/>
@@ -11483,10 +11369,16 @@
                 <a:solidFill>
                   <a:srgbClr val="FFFFFF"/>
                 </a:solidFill>
-                <a:latin typeface="Montserrat"/>
+                <a:latin typeface="Montserrat" panose="00000500000000000000"/>
               </a:rPr>
               <a:t>Tính phân cực quyết định tình cảm của văn bản. Giá trị của nó nằm ở [-1,1] trong đó -1 biểu thị tình cảm tiêu cực cao và 1 biểu thị cảm xúc tích cực cao.</a:t>
             </a:r>
+            <a:endParaRPr lang="en-US" sz="2400">
+              <a:solidFill>
+                <a:srgbClr val="FFFFFF"/>
+              </a:solidFill>
+              <a:latin typeface="Montserrat" panose="00000500000000000000"/>
+            </a:endParaRPr>
           </a:p>
         </p:txBody>
       </p:sp>
@@ -11532,7 +11424,7 @@
           <p:nvPr/>
         </p:nvPicPr>
         <p:blipFill>
-          <a:blip r:embed="rId2"/>
+          <a:blip r:embed="rId1"/>
           <a:srcRect b="1801"/>
           <a:stretch>
             <a:fillRect/>
@@ -11717,14 +11609,14 @@
             <a:p>
               <a:pPr marL="0" lvl="0" indent="0" algn="ctr">
                 <a:lnSpc>
-                  <a:spcPts val="2612"/>
+                  <a:spcPts val="2610"/>
                 </a:lnSpc>
                 <a:spcBef>
                   <a:spcPct val="0"/>
                 </a:spcBef>
               </a:pPr>
               <a:r>
-                <a:rPr lang="en-US" sz="2721">
+                <a:rPr lang="en-US" sz="2720">
                   <a:solidFill>
                     <a:srgbClr val="FFFFFF"/>
                   </a:solidFill>
@@ -11732,6 +11624,12 @@
                 </a:rPr>
                 <a:t>2</a:t>
               </a:r>
+              <a:endParaRPr lang="en-US" sz="2720">
+                <a:solidFill>
+                  <a:srgbClr val="FFFFFF"/>
+                </a:solidFill>
+                <a:latin typeface="Sigmar One Bold"/>
+              </a:endParaRPr>
             </a:p>
           </p:txBody>
         </p:sp>
@@ -11770,10 +11668,16 @@
                 <a:solidFill>
                   <a:srgbClr val="FFFFFF"/>
                 </a:solidFill>
-                <a:latin typeface="Montserrat"/>
+                <a:latin typeface="Montserrat" panose="00000500000000000000"/>
               </a:rPr>
               <a:t>Xử lý, làm sạch và trích đặc trưng trên tập dữ liệu</a:t>
             </a:r>
+            <a:endParaRPr lang="en-US" sz="2100">
+              <a:solidFill>
+                <a:srgbClr val="FFFFFF"/>
+              </a:solidFill>
+              <a:latin typeface="Montserrat" panose="00000500000000000000"/>
+            </a:endParaRPr>
           </a:p>
         </p:txBody>
       </p:sp>
@@ -11804,7 +11708,7 @@
               </a:lnSpc>
             </a:pPr>
             <a:r>
-              <a:rPr lang="en-US" sz="5499">
+              <a:rPr lang="en-US" sz="5500">
                 <a:solidFill>
                   <a:srgbClr val="FFFFFF"/>
                 </a:solidFill>
@@ -11812,6 +11716,12 @@
               </a:rPr>
               <a:t>TRÍCH XUẤT ĐẶC TRƯNG</a:t>
             </a:r>
+            <a:endParaRPr lang="en-US" sz="5500">
+              <a:solidFill>
+                <a:srgbClr val="FFFFFF"/>
+              </a:solidFill>
+              <a:latin typeface="Sigmar One Bold"/>
+            </a:endParaRPr>
           </a:p>
         </p:txBody>
       </p:sp>
@@ -12576,14 +12486,14 @@
             <a:p>
               <a:pPr marL="0" lvl="0" indent="0" algn="ctr">
                 <a:lnSpc>
-                  <a:spcPts val="2612"/>
+                  <a:spcPts val="2610"/>
                 </a:lnSpc>
                 <a:spcBef>
                   <a:spcPct val="0"/>
                 </a:spcBef>
               </a:pPr>
               <a:r>
-                <a:rPr lang="en-US" sz="2721">
+                <a:rPr lang="en-US" sz="2720">
                   <a:solidFill>
                     <a:srgbClr val="FFFFFF"/>
                   </a:solidFill>
@@ -12591,6 +12501,12 @@
                 </a:rPr>
                 <a:t>3</a:t>
               </a:r>
+              <a:endParaRPr lang="en-US" sz="2720">
+                <a:solidFill>
+                  <a:srgbClr val="FFFFFF"/>
+                </a:solidFill>
+                <a:latin typeface="Sigmar One Bold"/>
+              </a:endParaRPr>
             </a:p>
           </p:txBody>
         </p:sp>
@@ -12604,7 +12520,7 @@
           <p:nvPr/>
         </p:nvPicPr>
         <p:blipFill>
-          <a:blip r:embed="rId2"/>
+          <a:blip r:embed="rId1"/>
           <a:srcRect/>
           <a:stretch>
             <a:fillRect/>
@@ -12629,7 +12545,7 @@
           <p:nvPr/>
         </p:nvPicPr>
         <p:blipFill>
-          <a:blip r:embed="rId3"/>
+          <a:blip r:embed="rId2"/>
           <a:srcRect/>
           <a:stretch>
             <a:fillRect/>
@@ -12654,7 +12570,7 @@
           <p:nvPr/>
         </p:nvPicPr>
         <p:blipFill>
-          <a:blip r:embed="rId4"/>
+          <a:blip r:embed="rId3"/>
           <a:srcRect/>
           <a:stretch>
             <a:fillRect/>
@@ -12679,7 +12595,7 @@
           <p:nvPr/>
         </p:nvPicPr>
         <p:blipFill>
-          <a:blip r:embed="rId5"/>
+          <a:blip r:embed="rId4"/>
           <a:srcRect/>
           <a:stretch>
             <a:fillRect/>
@@ -12718,11 +12634,11 @@
           <a:p>
             <a:pPr>
               <a:lnSpc>
-                <a:spcPts val="7171"/>
+                <a:spcPts val="7170"/>
               </a:lnSpc>
             </a:pPr>
             <a:r>
-              <a:rPr lang="en-US" sz="5691">
+              <a:rPr lang="en-US" sz="5690">
                 <a:solidFill>
                   <a:srgbClr val="FFFFFF"/>
                 </a:solidFill>
@@ -12730,6 +12646,12 @@
               </a:rPr>
               <a:t>HỆ KHUYẾN NGHỊ</a:t>
             </a:r>
+            <a:endParaRPr lang="en-US" sz="5690">
+              <a:solidFill>
+                <a:srgbClr val="FFFFFF"/>
+              </a:solidFill>
+              <a:latin typeface="Sigmar One Bold"/>
+            </a:endParaRPr>
           </a:p>
         </p:txBody>
       </p:sp>
@@ -12756,21 +12678,27 @@
           <a:p>
             <a:pPr marL="0" lvl="0" indent="0" algn="ctr">
               <a:lnSpc>
-                <a:spcPts val="3499"/>
+                <a:spcPts val="3500"/>
               </a:lnSpc>
               <a:spcBef>
                 <a:spcPct val="0"/>
               </a:spcBef>
             </a:pPr>
             <a:r>
-              <a:rPr lang="en-US" sz="2499">
+              <a:rPr lang="en-US" sz="2500">
                 <a:solidFill>
                   <a:srgbClr val="57FFFF"/>
                 </a:solidFill>
-                <a:latin typeface="Montserrat Bold"/>
+                <a:latin typeface="Montserrat Bold" panose="00000600000000000000"/>
               </a:rPr>
               <a:t>Cosine similarity</a:t>
             </a:r>
+            <a:endParaRPr lang="en-US" sz="2500">
+              <a:solidFill>
+                <a:srgbClr val="57FFFF"/>
+              </a:solidFill>
+              <a:latin typeface="Montserrat Bold" panose="00000600000000000000"/>
+            </a:endParaRPr>
           </a:p>
         </p:txBody>
       </p:sp>
@@ -12808,10 +12736,16 @@
                 <a:solidFill>
                   <a:srgbClr val="FFFFFF"/>
                 </a:solidFill>
-                <a:latin typeface="Montserrat"/>
+                <a:latin typeface="Montserrat" panose="00000500000000000000"/>
               </a:rPr>
               <a:t>Xây dưng hệ khuyến nghị</a:t>
             </a:r>
+            <a:endParaRPr lang="en-US" sz="2100">
+              <a:solidFill>
+                <a:srgbClr val="FFFFFF"/>
+              </a:solidFill>
+              <a:latin typeface="Montserrat" panose="00000500000000000000"/>
+            </a:endParaRPr>
           </a:p>
         </p:txBody>
       </p:sp>
@@ -13101,7 +13035,10 @@
       </a:bgFillStyleLst>
     </a:fmtScheme>
   </a:themeElements>
-  <a:objectDefaults/>
-  <a:extraClrSchemeLst/>
+  <a:extLst>
+    <a:ext uri="{05A4C25C-085E-4340-85A3-A5531E510DB2}">
+      <thm15:themeFamily xmlns:thm15="http://schemas.microsoft.com/office/thememl/2012/main" name="Office Theme" id="{62F939B6-93AF-4DB8-9C6B-D6C7DFDC589F}" vid="{4A3C46E8-61CC-4603-A589-7422A47A8E4A}"/>
+    </a:ext>
+  </a:extLst>
 </a:theme>
 </file>